--- a/Extending Visual Studio and Making It Work for You.pptx
+++ b/Extending Visual Studio and Making It Work for You.pptx
@@ -261,7 +261,7 @@
               <a:rPr lang="en-US" smtClean="0">
                 <a:latin typeface="Segoe UI" pitchFamily="34" charset="0"/>
               </a:rPr>
-              <a:t>10/23/2015 11:03 PM</a:t>
+              <a:t>3/11/2016 9:52 PM</a:t>
             </a:fld>
             <a:endParaRPr lang="en-US" dirty="0">
               <a:latin typeface="Segoe UI" pitchFamily="34" charset="0"/>
@@ -298,7 +298,7 @@
           <a:p>
             <a:pPr marL="398463" defTabSz="914099" eaLnBrk="0" hangingPunct="0"/>
             <a:r>
-              <a:rPr lang="en-US" sz="400" dirty="0" smtClean="0">
+              <a:rPr lang="en-US" sz="400" dirty="0">
                 <a:gradFill>
                   <a:gsLst>
                     <a:gs pos="0">
@@ -316,22 +316,6 @@
               </a:rPr>
               <a:t>© 2014 Microsoft Corporation. All rights reserved. Microsoft, Windows, and other product names are or may be registered trademarks and/or trademarks in the U.S. and/or other countries. The information herein is for informational purposes only and represents the current view of Microsoft Corporation as of the date of this presentation.  Because Microsoft must respond to changing market conditions, it should not be interpreted to be a commitment on the part of Microsoft, and Microsoft cannot guarantee the accuracy of any information provided after the date of this presentation.  MICROSOFT MAKES NO WARRANTIES, EXPRESS, IMPLIED OR STATUTORY, AS TO THE INFORMATION IN THIS PRESENTATION.</a:t>
             </a:r>
-            <a:endParaRPr lang="en-US" sz="400" dirty="0">
-              <a:gradFill>
-                <a:gsLst>
-                  <a:gs pos="0">
-                    <a:schemeClr val="tx1"/>
-                  </a:gs>
-                  <a:gs pos="100000">
-                    <a:schemeClr val="tx1"/>
-                  </a:gs>
-                </a:gsLst>
-                <a:lin ang="5400000" scaled="0"/>
-              </a:gradFill>
-              <a:latin typeface="Segoe UI" pitchFamily="34" charset="0"/>
-              <a:ea typeface="Segoe UI" pitchFamily="34" charset="0"/>
-              <a:cs typeface="Segoe UI" pitchFamily="34" charset="0"/>
-            </a:endParaRPr>
           </a:p>
         </p:txBody>
       </p:sp>
@@ -438,10 +422,9 @@
           </a:lstStyle>
           <a:p>
             <a:r>
-              <a:rPr lang="en-US" dirty="0" smtClean="0"/>
+              <a:rPr lang="en-US" dirty="0"/>
               <a:t>Convergence 2014</a:t>
             </a:r>
-            <a:endParaRPr lang="en-US" dirty="0"/>
           </a:p>
         </p:txBody>
       </p:sp>
@@ -507,7 +490,7 @@
           <a:p>
             <a:pPr defTabSz="914099" eaLnBrk="0" hangingPunct="0"/>
             <a:r>
-              <a:rPr lang="en-US" sz="400" dirty="0" smtClean="0">
+              <a:rPr lang="en-US" sz="400" dirty="0">
                 <a:gradFill>
                   <a:gsLst>
                     <a:gs pos="0">
@@ -559,7 +542,7 @@
           <a:p>
             <a:fld id="{2DFDA5C7-BBAE-481E-8BF7-731156A2E2C1}" type="datetime8">
               <a:rPr lang="en-US" smtClean="0"/>
-              <a:t>10/23/2015 11:03 PM</a:t>
+              <a:t>3/11/2016 9:52 PM</a:t>
             </a:fld>
             <a:endParaRPr lang="en-US" dirty="0"/>
           </a:p>
@@ -590,38 +573,37 @@
           <a:p>
             <a:pPr lvl="0"/>
             <a:r>
-              <a:rPr lang="en-US" smtClean="0"/>
+              <a:rPr lang="en-US"/>
               <a:t>Click to edit Master text styles</a:t>
             </a:r>
           </a:p>
           <a:p>
             <a:pPr lvl="1"/>
             <a:r>
-              <a:rPr lang="en-US" smtClean="0"/>
+              <a:rPr lang="en-US"/>
               <a:t>Second level</a:t>
             </a:r>
           </a:p>
           <a:p>
             <a:pPr lvl="2"/>
             <a:r>
-              <a:rPr lang="en-US" smtClean="0"/>
+              <a:rPr lang="en-US"/>
               <a:t>Third level</a:t>
             </a:r>
           </a:p>
           <a:p>
             <a:pPr lvl="3"/>
             <a:r>
-              <a:rPr lang="en-US" smtClean="0"/>
+              <a:rPr lang="en-US"/>
               <a:t>Fourth level</a:t>
             </a:r>
           </a:p>
           <a:p>
             <a:pPr lvl="4"/>
             <a:r>
-              <a:rPr lang="en-US" smtClean="0"/>
+              <a:rPr lang="en-US"/>
               <a:t>Fifth level</a:t>
             </a:r>
-            <a:endParaRPr lang="en-US"/>
           </a:p>
         </p:txBody>
       </p:sp>
@@ -850,11 +832,11 @@
           <a:lstStyle/>
           <a:p>
             <a:r>
-              <a:rPr lang="en-US" dirty="0" smtClean="0"/>
+              <a:rPr lang="en-US" dirty="0"/>
               <a:t>Demo: </a:t>
             </a:r>
             <a:r>
-              <a:rPr lang="en-US" dirty="0" err="1" smtClean="0"/>
+              <a:rPr lang="en-US" dirty="0" err="1"/>
               <a:t>SampleTemplatePackage</a:t>
             </a:r>
             <a:endParaRPr lang="en-US" dirty="0"/>
@@ -877,7 +859,7 @@
           <a:lstStyle/>
           <a:p>
             <a:r>
-              <a:rPr lang="en-US" smtClean="0"/>
+              <a:rPr lang="en-US"/>
               <a:t>Convergence 2014</a:t>
             </a:r>
             <a:endParaRPr lang="en-US" dirty="0"/>
@@ -901,7 +883,7 @@
           <a:p>
             <a:pPr defTabSz="914099" eaLnBrk="0" hangingPunct="0"/>
             <a:r>
-              <a:rPr lang="en-US" sz="400" smtClean="0">
+              <a:rPr lang="en-US" sz="400">
                 <a:gradFill>
                   <a:gsLst>
                     <a:gs pos="0">
@@ -919,7 +901,7 @@
               </a:rPr>
               <a:t>© 2014 Microsoft Corporation. All rights reserved. Microsoft, Windows, and other product names are or may be registered trademarks and/or trademarks in the U.S. and/or other countries. The information herein is for informational purposes only and represents the current view of Microsoft Corporation as of the date of this presentation.  Because Microsoft must respond to changing market conditions, it should not be interpreted to be a commitment on the part of Microsoft, and Microsoft cannot guarantee the accuracy of any information provided after the date of this presentation.  MICROSOFT MAKES NO WARRANTIES, EXPRESS, IMPLIED OR STATUTORY, AS TO THE INFORMATION IN THIS PRESENTATION.</a:t>
             </a:r>
-            <a:endParaRPr lang="en-US" sz="400" dirty="0" smtClean="0">
+            <a:endParaRPr lang="en-US" sz="400" dirty="0">
               <a:gradFill>
                 <a:gsLst>
                   <a:gs pos="0">
@@ -955,7 +937,7 @@
           <a:p>
             <a:fld id="{2DFDA5C7-BBAE-481E-8BF7-731156A2E2C1}" type="datetime8">
               <a:rPr lang="en-US" smtClean="0"/>
-              <a:t>10/23/2015 11:03 PM</a:t>
+              <a:t>3/11/2016 9:52 PM</a:t>
             </a:fld>
             <a:endParaRPr lang="en-US" dirty="0"/>
           </a:p>
@@ -1043,11 +1025,11 @@
           <a:lstStyle/>
           <a:p>
             <a:r>
-              <a:rPr lang="en-US" dirty="0" smtClean="0"/>
+              <a:rPr lang="en-US" dirty="0"/>
               <a:t>Demo: </a:t>
             </a:r>
             <a:r>
-              <a:rPr lang="en-US" dirty="0" err="1" smtClean="0"/>
+              <a:rPr lang="en-US" dirty="0" err="1"/>
               <a:t>VSReopenStartPage</a:t>
             </a:r>
             <a:endParaRPr lang="en-US" dirty="0"/>
@@ -1070,7 +1052,7 @@
           <a:lstStyle/>
           <a:p>
             <a:r>
-              <a:rPr lang="en-US" smtClean="0"/>
+              <a:rPr lang="en-US"/>
               <a:t>Convergence 2014</a:t>
             </a:r>
             <a:endParaRPr lang="en-US" dirty="0"/>
@@ -1094,7 +1076,7 @@
           <a:p>
             <a:pPr defTabSz="914099" eaLnBrk="0" hangingPunct="0"/>
             <a:r>
-              <a:rPr lang="en-US" sz="400" smtClean="0">
+              <a:rPr lang="en-US" sz="400">
                 <a:gradFill>
                   <a:gsLst>
                     <a:gs pos="0">
@@ -1112,7 +1094,7 @@
               </a:rPr>
               <a:t>© 2014 Microsoft Corporation. All rights reserved. Microsoft, Windows, and other product names are or may be registered trademarks and/or trademarks in the U.S. and/or other countries. The information herein is for informational purposes only and represents the current view of Microsoft Corporation as of the date of this presentation.  Because Microsoft must respond to changing market conditions, it should not be interpreted to be a commitment on the part of Microsoft, and Microsoft cannot guarantee the accuracy of any information provided after the date of this presentation.  MICROSOFT MAKES NO WARRANTIES, EXPRESS, IMPLIED OR STATUTORY, AS TO THE INFORMATION IN THIS PRESENTATION.</a:t>
             </a:r>
-            <a:endParaRPr lang="en-US" sz="400" dirty="0" smtClean="0">
+            <a:endParaRPr lang="en-US" sz="400" dirty="0">
               <a:gradFill>
                 <a:gsLst>
                   <a:gs pos="0">
@@ -1148,7 +1130,7 @@
           <a:p>
             <a:fld id="{2DFDA5C7-BBAE-481E-8BF7-731156A2E2C1}" type="datetime8">
               <a:rPr lang="en-US" smtClean="0"/>
-              <a:t>10/23/2015 11:03 PM</a:t>
+              <a:t>3/11/2016 9:52 PM</a:t>
             </a:fld>
             <a:endParaRPr lang="en-US" dirty="0"/>
           </a:p>
@@ -1236,11 +1218,11 @@
           <a:lstStyle/>
           <a:p>
             <a:r>
-              <a:rPr lang="en-US" dirty="0" smtClean="0"/>
+              <a:rPr lang="en-US" dirty="0"/>
               <a:t>Demo: </a:t>
             </a:r>
             <a:r>
-              <a:rPr lang="en-US" dirty="0" err="1" smtClean="0"/>
+              <a:rPr lang="en-US" dirty="0" err="1"/>
               <a:t>MsdnSearchMenuCommand</a:t>
             </a:r>
             <a:endParaRPr lang="en-US" dirty="0"/>
@@ -1263,7 +1245,7 @@
           <a:lstStyle/>
           <a:p>
             <a:r>
-              <a:rPr lang="en-US" smtClean="0"/>
+              <a:rPr lang="en-US"/>
               <a:t>Convergence 2014</a:t>
             </a:r>
             <a:endParaRPr lang="en-US" dirty="0"/>
@@ -1287,7 +1269,7 @@
           <a:p>
             <a:pPr defTabSz="914099" eaLnBrk="0" hangingPunct="0"/>
             <a:r>
-              <a:rPr lang="en-US" sz="400" smtClean="0">
+              <a:rPr lang="en-US" sz="400">
                 <a:gradFill>
                   <a:gsLst>
                     <a:gs pos="0">
@@ -1305,7 +1287,7 @@
               </a:rPr>
               <a:t>© 2014 Microsoft Corporation. All rights reserved. Microsoft, Windows, and other product names are or may be registered trademarks and/or trademarks in the U.S. and/or other countries. The information herein is for informational purposes only and represents the current view of Microsoft Corporation as of the date of this presentation.  Because Microsoft must respond to changing market conditions, it should not be interpreted to be a commitment on the part of Microsoft, and Microsoft cannot guarantee the accuracy of any information provided after the date of this presentation.  MICROSOFT MAKES NO WARRANTIES, EXPRESS, IMPLIED OR STATUTORY, AS TO THE INFORMATION IN THIS PRESENTATION.</a:t>
             </a:r>
-            <a:endParaRPr lang="en-US" sz="400" dirty="0" smtClean="0">
+            <a:endParaRPr lang="en-US" sz="400" dirty="0">
               <a:gradFill>
                 <a:gsLst>
                   <a:gs pos="0">
@@ -1341,7 +1323,7 @@
           <a:p>
             <a:fld id="{2DFDA5C7-BBAE-481E-8BF7-731156A2E2C1}" type="datetime8">
               <a:rPr lang="en-US" smtClean="0"/>
-              <a:t>10/23/2015 11:03 PM</a:t>
+              <a:t>3/11/2016 9:52 PM</a:t>
             </a:fld>
             <a:endParaRPr lang="en-US" dirty="0"/>
           </a:p>
@@ -1429,15 +1411,15 @@
           <a:lstStyle/>
           <a:p>
             <a:r>
-              <a:rPr lang="en-US" dirty="0" smtClean="0"/>
+              <a:rPr lang="en-US" dirty="0"/>
               <a:t>Demo:</a:t>
             </a:r>
             <a:r>
-              <a:rPr lang="en-US" baseline="0" dirty="0" smtClean="0"/>
+              <a:rPr lang="en-US" baseline="0" dirty="0"/>
               <a:t> </a:t>
             </a:r>
             <a:r>
-              <a:rPr lang="en-US" baseline="0" dirty="0" err="1" smtClean="0"/>
+              <a:rPr lang="en-US" baseline="0" dirty="0" err="1"/>
               <a:t>JsonFormatterToolWindow</a:t>
             </a:r>
             <a:endParaRPr lang="en-US" dirty="0"/>
@@ -1460,7 +1442,7 @@
           <a:lstStyle/>
           <a:p>
             <a:r>
-              <a:rPr lang="en-US" smtClean="0"/>
+              <a:rPr lang="en-US"/>
               <a:t>Convergence 2014</a:t>
             </a:r>
             <a:endParaRPr lang="en-US" dirty="0"/>
@@ -1484,7 +1466,7 @@
           <a:p>
             <a:pPr defTabSz="914099" eaLnBrk="0" hangingPunct="0"/>
             <a:r>
-              <a:rPr lang="en-US" sz="400" smtClean="0">
+              <a:rPr lang="en-US" sz="400">
                 <a:gradFill>
                   <a:gsLst>
                     <a:gs pos="0">
@@ -1502,7 +1484,7 @@
               </a:rPr>
               <a:t>© 2014 Microsoft Corporation. All rights reserved. Microsoft, Windows, and other product names are or may be registered trademarks and/or trademarks in the U.S. and/or other countries. The information herein is for informational purposes only and represents the current view of Microsoft Corporation as of the date of this presentation.  Because Microsoft must respond to changing market conditions, it should not be interpreted to be a commitment on the part of Microsoft, and Microsoft cannot guarantee the accuracy of any information provided after the date of this presentation.  MICROSOFT MAKES NO WARRANTIES, EXPRESS, IMPLIED OR STATUTORY, AS TO THE INFORMATION IN THIS PRESENTATION.</a:t>
             </a:r>
-            <a:endParaRPr lang="en-US" sz="400" dirty="0" smtClean="0">
+            <a:endParaRPr lang="en-US" sz="400" dirty="0">
               <a:gradFill>
                 <a:gsLst>
                   <a:gs pos="0">
@@ -1538,7 +1520,7 @@
           <a:p>
             <a:fld id="{2DFDA5C7-BBAE-481E-8BF7-731156A2E2C1}" type="datetime8">
               <a:rPr lang="en-US" smtClean="0"/>
-              <a:t>10/23/2015 11:03 PM</a:t>
+              <a:t>3/11/2016 9:52 PM</a:t>
             </a:fld>
             <a:endParaRPr lang="en-US" dirty="0"/>
           </a:p>
@@ -1626,10 +1608,9 @@
           <a:lstStyle/>
           <a:p>
             <a:r>
-              <a:rPr lang="en-US" dirty="0" smtClean="0"/>
+              <a:rPr lang="en-US" dirty="0"/>
               <a:t>Demo: Adornments</a:t>
             </a:r>
-            <a:endParaRPr lang="en-US" dirty="0"/>
           </a:p>
         </p:txBody>
       </p:sp>
@@ -1649,7 +1630,7 @@
           <a:lstStyle/>
           <a:p>
             <a:r>
-              <a:rPr lang="en-US" smtClean="0"/>
+              <a:rPr lang="en-US"/>
               <a:t>Convergence 2014</a:t>
             </a:r>
             <a:endParaRPr lang="en-US" dirty="0"/>
@@ -1673,7 +1654,7 @@
           <a:p>
             <a:pPr defTabSz="914099" eaLnBrk="0" hangingPunct="0"/>
             <a:r>
-              <a:rPr lang="en-US" sz="400" smtClean="0">
+              <a:rPr lang="en-US" sz="400">
                 <a:gradFill>
                   <a:gsLst>
                     <a:gs pos="0">
@@ -1691,7 +1672,7 @@
               </a:rPr>
               <a:t>© 2014 Microsoft Corporation. All rights reserved. Microsoft, Windows, and other product names are or may be registered trademarks and/or trademarks in the U.S. and/or other countries. The information herein is for informational purposes only and represents the current view of Microsoft Corporation as of the date of this presentation.  Because Microsoft must respond to changing market conditions, it should not be interpreted to be a commitment on the part of Microsoft, and Microsoft cannot guarantee the accuracy of any information provided after the date of this presentation.  MICROSOFT MAKES NO WARRANTIES, EXPRESS, IMPLIED OR STATUTORY, AS TO THE INFORMATION IN THIS PRESENTATION.</a:t>
             </a:r>
-            <a:endParaRPr lang="en-US" sz="400" dirty="0" smtClean="0">
+            <a:endParaRPr lang="en-US" sz="400" dirty="0">
               <a:gradFill>
                 <a:gsLst>
                   <a:gs pos="0">
@@ -1727,7 +1708,7 @@
           <a:p>
             <a:fld id="{2DFDA5C7-BBAE-481E-8BF7-731156A2E2C1}" type="datetime8">
               <a:rPr lang="en-US" smtClean="0"/>
-              <a:t>10/23/2015 11:03 PM</a:t>
+              <a:t>3/11/2016 9:52 PM</a:t>
             </a:fld>
             <a:endParaRPr lang="en-US" dirty="0"/>
           </a:p>
@@ -1815,23 +1796,23 @@
           <a:lstStyle/>
           <a:p>
             <a:r>
-              <a:rPr lang="en-US" dirty="0" smtClean="0"/>
+              <a:rPr lang="en-US" dirty="0"/>
               <a:t>Demo</a:t>
             </a:r>
             <a:r>
-              <a:rPr lang="en-US" baseline="0" dirty="0" smtClean="0"/>
+              <a:rPr lang="en-US" baseline="0" dirty="0"/>
               <a:t>: </a:t>
             </a:r>
             <a:r>
-              <a:rPr lang="en-US" baseline="0" dirty="0" err="1" smtClean="0"/>
+              <a:rPr lang="en-US" baseline="0" dirty="0" err="1"/>
               <a:t>AnalyzerFix.Vsix</a:t>
             </a:r>
             <a:r>
-              <a:rPr lang="en-US" baseline="0" dirty="0" smtClean="0"/>
+              <a:rPr lang="en-US" baseline="0" dirty="0"/>
               <a:t> &amp; </a:t>
             </a:r>
             <a:r>
-              <a:rPr lang="en-US" baseline="0" dirty="0" err="1" smtClean="0"/>
+              <a:rPr lang="en-US" baseline="0" dirty="0" err="1"/>
               <a:t>XmlRefactoring.Vsix</a:t>
             </a:r>
             <a:endParaRPr lang="en-US" dirty="0"/>
@@ -1854,7 +1835,7 @@
           <a:lstStyle/>
           <a:p>
             <a:r>
-              <a:rPr lang="en-US" smtClean="0"/>
+              <a:rPr lang="en-US"/>
               <a:t>Convergence 2014</a:t>
             </a:r>
             <a:endParaRPr lang="en-US" dirty="0"/>
@@ -1878,7 +1859,7 @@
           <a:p>
             <a:pPr defTabSz="914099" eaLnBrk="0" hangingPunct="0"/>
             <a:r>
-              <a:rPr lang="en-US" sz="400" smtClean="0">
+              <a:rPr lang="en-US" sz="400">
                 <a:gradFill>
                   <a:gsLst>
                     <a:gs pos="0">
@@ -1896,7 +1877,7 @@
               </a:rPr>
               <a:t>© 2014 Microsoft Corporation. All rights reserved. Microsoft, Windows, and other product names are or may be registered trademarks and/or trademarks in the U.S. and/or other countries. The information herein is for informational purposes only and represents the current view of Microsoft Corporation as of the date of this presentation.  Because Microsoft must respond to changing market conditions, it should not be interpreted to be a commitment on the part of Microsoft, and Microsoft cannot guarantee the accuracy of any information provided after the date of this presentation.  MICROSOFT MAKES NO WARRANTIES, EXPRESS, IMPLIED OR STATUTORY, AS TO THE INFORMATION IN THIS PRESENTATION.</a:t>
             </a:r>
-            <a:endParaRPr lang="en-US" sz="400" dirty="0" smtClean="0">
+            <a:endParaRPr lang="en-US" sz="400" dirty="0">
               <a:gradFill>
                 <a:gsLst>
                   <a:gs pos="0">
@@ -1932,7 +1913,7 @@
           <a:p>
             <a:fld id="{2DFDA5C7-BBAE-481E-8BF7-731156A2E2C1}" type="datetime8">
               <a:rPr lang="en-US" smtClean="0"/>
-              <a:t>10/23/2015 11:03 PM</a:t>
+              <a:t>3/11/2016 9:52 PM</a:t>
             </a:fld>
             <a:endParaRPr lang="en-US" dirty="0"/>
           </a:p>
@@ -2120,7 +2101,7 @@
                 <a:spcPct val="0"/>
               </a:spcAft>
             </a:pPr>
-            <a:endParaRPr lang="en-US" sz="7200" dirty="0" smtClean="0">
+            <a:endParaRPr lang="en-US" sz="7200" dirty="0">
               <a:gradFill>
                 <a:gsLst>
                   <a:gs pos="0">
@@ -2170,7 +2151,7 @@
               </a:spcAft>
             </a:pPr>
             <a:r>
-              <a:rPr lang="en-US" sz="2400" baseline="0" dirty="0" smtClean="0">
+              <a:rPr lang="en-US" sz="2400" baseline="0" dirty="0">
                 <a:gradFill>
                   <a:gsLst>
                     <a:gs pos="2917">
@@ -2186,7 +2167,7 @@
               <a:t>March 4 – 7, 2014</a:t>
             </a:r>
             <a:br>
-              <a:rPr lang="en-US" sz="2400" baseline="0" dirty="0" smtClean="0">
+              <a:rPr lang="en-US" sz="2400" baseline="0" dirty="0">
                 <a:gradFill>
                   <a:gsLst>
                     <a:gs pos="2917">
@@ -2201,7 +2182,7 @@
               </a:rPr>
             </a:br>
             <a:r>
-              <a:rPr lang="en-US" sz="2400" dirty="0" smtClean="0">
+              <a:rPr lang="en-US" sz="2400" dirty="0">
                 <a:gradFill>
                   <a:gsLst>
                     <a:gs pos="2917">
@@ -2302,13 +2283,6 @@
   <p:transition>
     <p:fade/>
   </p:transition>
-  <p:timing>
-    <p:tnLst>
-      <p:par>
-        <p:cTn id="1" dur="indefinite" restart="never" nodeType="tmRoot"/>
-      </p:par>
-    </p:tnLst>
-  </p:timing>
   <p:extLst mod="1">
     <p:ext uri="{DCECCB84-F9BA-43D5-87BE-67443E8EF086}">
       <p15:sldGuideLst xmlns:p15="http://schemas.microsoft.com/office/powerpoint/2012/main">
@@ -2371,10 +2345,9 @@
           <a:lstStyle/>
           <a:p>
             <a:r>
-              <a:rPr lang="en-US" smtClean="0"/>
+              <a:rPr lang="en-US"/>
               <a:t>Click to edit Master title style</a:t>
             </a:r>
-            <a:endParaRPr lang="en-US"/>
           </a:p>
         </p:txBody>
       </p:sp>
@@ -2400,35 +2373,35 @@
           <a:p>
             <a:pPr lvl="0"/>
             <a:r>
-              <a:rPr lang="en-US" smtClean="0"/>
+              <a:rPr lang="en-US"/>
               <a:t>Click to edit Master text styles</a:t>
             </a:r>
           </a:p>
           <a:p>
             <a:pPr lvl="1"/>
             <a:r>
-              <a:rPr lang="en-US" smtClean="0"/>
+              <a:rPr lang="en-US"/>
               <a:t>Second level</a:t>
             </a:r>
           </a:p>
           <a:p>
             <a:pPr lvl="2"/>
             <a:r>
-              <a:rPr lang="en-US" smtClean="0"/>
+              <a:rPr lang="en-US"/>
               <a:t>Third level</a:t>
             </a:r>
           </a:p>
           <a:p>
             <a:pPr lvl="3"/>
             <a:r>
-              <a:rPr lang="en-US" smtClean="0"/>
+              <a:rPr lang="en-US"/>
               <a:t>Fourth level</a:t>
             </a:r>
           </a:p>
           <a:p>
             <a:pPr lvl="4"/>
             <a:r>
-              <a:rPr lang="en-US" smtClean="0"/>
+              <a:rPr lang="en-US"/>
               <a:t>Fifth level</a:t>
             </a:r>
             <a:endParaRPr lang="en-US" dirty="0"/>
@@ -2448,13 +2421,6 @@
   <p:transition>
     <p:fade/>
   </p:transition>
-  <p:timing>
-    <p:tnLst>
-      <p:par>
-        <p:cTn id="1" dur="indefinite" restart="never" nodeType="tmRoot"/>
-      </p:par>
-    </p:tnLst>
-  </p:timing>
 </p:sldLayout>
 </file>
 
@@ -2515,35 +2481,35 @@
           <a:p>
             <a:pPr lvl="0"/>
             <a:r>
-              <a:rPr lang="en-US" smtClean="0"/>
+              <a:rPr lang="en-US"/>
               <a:t>Click to edit Master text styles</a:t>
             </a:r>
           </a:p>
           <a:p>
             <a:pPr lvl="1"/>
             <a:r>
-              <a:rPr lang="en-US" smtClean="0"/>
+              <a:rPr lang="en-US"/>
               <a:t>Second level</a:t>
             </a:r>
           </a:p>
           <a:p>
             <a:pPr lvl="2"/>
             <a:r>
-              <a:rPr lang="en-US" smtClean="0"/>
+              <a:rPr lang="en-US"/>
               <a:t>Third level</a:t>
             </a:r>
           </a:p>
           <a:p>
             <a:pPr lvl="3"/>
             <a:r>
-              <a:rPr lang="en-US" smtClean="0"/>
+              <a:rPr lang="en-US"/>
               <a:t>Fourth level</a:t>
             </a:r>
           </a:p>
           <a:p>
             <a:pPr lvl="4"/>
             <a:r>
-              <a:rPr lang="en-US" smtClean="0"/>
+              <a:rPr lang="en-US"/>
               <a:t>Fifth level</a:t>
             </a:r>
             <a:endParaRPr lang="en-US" dirty="0"/>
@@ -2566,10 +2532,9 @@
           <a:lstStyle/>
           <a:p>
             <a:r>
-              <a:rPr lang="en-US" smtClean="0"/>
+              <a:rPr lang="en-US"/>
               <a:t>Click to edit Master title style</a:t>
             </a:r>
-            <a:endParaRPr lang="en-US"/>
           </a:p>
         </p:txBody>
       </p:sp>
@@ -2586,13 +2551,6 @@
   <p:transition>
     <p:fade/>
   </p:transition>
-  <p:timing>
-    <p:tnLst>
-      <p:par>
-        <p:cTn id="1" dur="indefinite" restart="never" nodeType="tmRoot"/>
-      </p:par>
-    </p:tnLst>
-  </p:timing>
 </p:sldLayout>
 </file>
 
@@ -2629,7 +2587,7 @@
           <a:lstStyle/>
           <a:p>
             <a:r>
-              <a:rPr lang="en-US" smtClean="0"/>
+              <a:rPr lang="en-US"/>
               <a:t>Click to edit Master title style</a:t>
             </a:r>
             <a:endParaRPr lang="en-US" dirty="0"/>
@@ -2702,35 +2660,35 @@
           <a:p>
             <a:pPr lvl="0"/>
             <a:r>
-              <a:rPr lang="en-US" smtClean="0"/>
+              <a:rPr lang="en-US"/>
               <a:t>Click to edit Master text styles</a:t>
             </a:r>
           </a:p>
           <a:p>
             <a:pPr lvl="1"/>
             <a:r>
-              <a:rPr lang="en-US" smtClean="0"/>
+              <a:rPr lang="en-US"/>
               <a:t>Second level</a:t>
             </a:r>
           </a:p>
           <a:p>
             <a:pPr lvl="2"/>
             <a:r>
-              <a:rPr lang="en-US" smtClean="0"/>
+              <a:rPr lang="en-US"/>
               <a:t>Third level</a:t>
             </a:r>
           </a:p>
           <a:p>
             <a:pPr lvl="3"/>
             <a:r>
-              <a:rPr lang="en-US" smtClean="0"/>
+              <a:rPr lang="en-US"/>
               <a:t>Fourth level</a:t>
             </a:r>
           </a:p>
           <a:p>
             <a:pPr lvl="4"/>
             <a:r>
-              <a:rPr lang="en-US" smtClean="0"/>
+              <a:rPr lang="en-US"/>
               <a:t>Fifth level</a:t>
             </a:r>
             <a:endParaRPr lang="en-US" dirty="0"/>
@@ -2803,35 +2761,35 @@
           <a:p>
             <a:pPr lvl="0"/>
             <a:r>
-              <a:rPr lang="en-US" smtClean="0"/>
+              <a:rPr lang="en-US"/>
               <a:t>Click to edit Master text styles</a:t>
             </a:r>
           </a:p>
           <a:p>
             <a:pPr lvl="1"/>
             <a:r>
-              <a:rPr lang="en-US" smtClean="0"/>
+              <a:rPr lang="en-US"/>
               <a:t>Second level</a:t>
             </a:r>
           </a:p>
           <a:p>
             <a:pPr lvl="2"/>
             <a:r>
-              <a:rPr lang="en-US" smtClean="0"/>
+              <a:rPr lang="en-US"/>
               <a:t>Third level</a:t>
             </a:r>
           </a:p>
           <a:p>
             <a:pPr lvl="3"/>
             <a:r>
-              <a:rPr lang="en-US" smtClean="0"/>
+              <a:rPr lang="en-US"/>
               <a:t>Fourth level</a:t>
             </a:r>
           </a:p>
           <a:p>
             <a:pPr lvl="4"/>
             <a:r>
-              <a:rPr lang="en-US" smtClean="0"/>
+              <a:rPr lang="en-US"/>
               <a:t>Fifth level</a:t>
             </a:r>
             <a:endParaRPr lang="en-US" dirty="0"/>
@@ -2887,7 +2845,7 @@
           <a:lstStyle/>
           <a:p>
             <a:r>
-              <a:rPr lang="en-US" smtClean="0"/>
+              <a:rPr lang="en-US"/>
               <a:t>Click to edit Master title style</a:t>
             </a:r>
             <a:endParaRPr lang="en-US" dirty="0"/>
@@ -2948,35 +2906,35 @@
           <a:p>
             <a:pPr lvl="0"/>
             <a:r>
-              <a:rPr lang="en-US" smtClean="0"/>
+              <a:rPr lang="en-US"/>
               <a:t>Click to edit Master text styles</a:t>
             </a:r>
           </a:p>
           <a:p>
             <a:pPr lvl="1"/>
             <a:r>
-              <a:rPr lang="en-US" smtClean="0"/>
+              <a:rPr lang="en-US"/>
               <a:t>Second level</a:t>
             </a:r>
           </a:p>
           <a:p>
             <a:pPr lvl="2"/>
             <a:r>
-              <a:rPr lang="en-US" smtClean="0"/>
+              <a:rPr lang="en-US"/>
               <a:t>Third level</a:t>
             </a:r>
           </a:p>
           <a:p>
             <a:pPr lvl="3"/>
             <a:r>
-              <a:rPr lang="en-US" smtClean="0"/>
+              <a:rPr lang="en-US"/>
               <a:t>Fourth level</a:t>
             </a:r>
           </a:p>
           <a:p>
             <a:pPr lvl="4"/>
             <a:r>
-              <a:rPr lang="en-US" smtClean="0"/>
+              <a:rPr lang="en-US"/>
               <a:t>Fifth level</a:t>
             </a:r>
             <a:endParaRPr lang="en-US" dirty="0"/>
@@ -3037,35 +2995,35 @@
           <a:p>
             <a:pPr lvl="0"/>
             <a:r>
-              <a:rPr lang="en-US" smtClean="0"/>
+              <a:rPr lang="en-US"/>
               <a:t>Click to edit Master text styles</a:t>
             </a:r>
           </a:p>
           <a:p>
             <a:pPr lvl="1"/>
             <a:r>
-              <a:rPr lang="en-US" smtClean="0"/>
+              <a:rPr lang="en-US"/>
               <a:t>Second level</a:t>
             </a:r>
           </a:p>
           <a:p>
             <a:pPr lvl="2"/>
             <a:r>
-              <a:rPr lang="en-US" smtClean="0"/>
+              <a:rPr lang="en-US"/>
               <a:t>Third level</a:t>
             </a:r>
           </a:p>
           <a:p>
             <a:pPr lvl="3"/>
             <a:r>
-              <a:rPr lang="en-US" smtClean="0"/>
+              <a:rPr lang="en-US"/>
               <a:t>Fourth level</a:t>
             </a:r>
           </a:p>
           <a:p>
             <a:pPr lvl="4"/>
             <a:r>
-              <a:rPr lang="en-US" smtClean="0"/>
+              <a:rPr lang="en-US"/>
               <a:t>Fifth level</a:t>
             </a:r>
             <a:endParaRPr lang="en-US" dirty="0"/>
@@ -3085,13 +3043,6 @@
   <p:transition>
     <p:fade/>
   </p:transition>
-  <p:timing>
-    <p:tnLst>
-      <p:par>
-        <p:cTn id="1" dur="indefinite" restart="never" nodeType="tmRoot"/>
-      </p:par>
-    </p:tnLst>
-  </p:timing>
 </p:sldLayout>
 </file>
 
@@ -3128,7 +3079,7 @@
           <a:lstStyle/>
           <a:p>
             <a:r>
-              <a:rPr lang="en-US" smtClean="0"/>
+              <a:rPr lang="en-US"/>
               <a:t>Click to edit Master title style</a:t>
             </a:r>
             <a:endParaRPr lang="en-US" dirty="0"/>
@@ -3185,35 +3136,35 @@
           <a:p>
             <a:pPr lvl="0"/>
             <a:r>
-              <a:rPr lang="en-US" smtClean="0"/>
+              <a:rPr lang="en-US"/>
               <a:t>Click to edit Master text styles</a:t>
             </a:r>
           </a:p>
           <a:p>
             <a:pPr lvl="1"/>
             <a:r>
-              <a:rPr lang="en-US" smtClean="0"/>
+              <a:rPr lang="en-US"/>
               <a:t>Second level</a:t>
             </a:r>
           </a:p>
           <a:p>
             <a:pPr lvl="2"/>
             <a:r>
-              <a:rPr lang="en-US" smtClean="0"/>
+              <a:rPr lang="en-US"/>
               <a:t>Third level</a:t>
             </a:r>
           </a:p>
           <a:p>
             <a:pPr lvl="3"/>
             <a:r>
-              <a:rPr lang="en-US" smtClean="0"/>
+              <a:rPr lang="en-US"/>
               <a:t>Fourth level</a:t>
             </a:r>
           </a:p>
           <a:p>
             <a:pPr lvl="4"/>
             <a:r>
-              <a:rPr lang="en-US" smtClean="0"/>
+              <a:rPr lang="en-US"/>
               <a:t>Fifth level</a:t>
             </a:r>
             <a:endParaRPr lang="en-US" dirty="0"/>
@@ -3270,35 +3221,35 @@
           <a:p>
             <a:pPr lvl="0"/>
             <a:r>
-              <a:rPr lang="en-US" smtClean="0"/>
+              <a:rPr lang="en-US"/>
               <a:t>Click to edit Master text styles</a:t>
             </a:r>
           </a:p>
           <a:p>
             <a:pPr lvl="1"/>
             <a:r>
-              <a:rPr lang="en-US" smtClean="0"/>
+              <a:rPr lang="en-US"/>
               <a:t>Second level</a:t>
             </a:r>
           </a:p>
           <a:p>
             <a:pPr lvl="2"/>
             <a:r>
-              <a:rPr lang="en-US" smtClean="0"/>
+              <a:rPr lang="en-US"/>
               <a:t>Third level</a:t>
             </a:r>
           </a:p>
           <a:p>
             <a:pPr lvl="3"/>
             <a:r>
-              <a:rPr lang="en-US" smtClean="0"/>
+              <a:rPr lang="en-US"/>
               <a:t>Fourth level</a:t>
             </a:r>
           </a:p>
           <a:p>
             <a:pPr lvl="4"/>
             <a:r>
-              <a:rPr lang="en-US" smtClean="0"/>
+              <a:rPr lang="en-US"/>
               <a:t>Fifth level</a:t>
             </a:r>
             <a:endParaRPr lang="en-US" dirty="0"/>
@@ -3354,7 +3305,7 @@
           <a:lstStyle/>
           <a:p>
             <a:r>
-              <a:rPr lang="en-US" smtClean="0"/>
+              <a:rPr lang="en-US"/>
               <a:t>Click to edit Master title style</a:t>
             </a:r>
             <a:endParaRPr lang="en-US" dirty="0"/>
@@ -3423,35 +3374,35 @@
           <a:p>
             <a:pPr lvl="0"/>
             <a:r>
-              <a:rPr lang="en-US" smtClean="0"/>
+              <a:rPr lang="en-US"/>
               <a:t>Click to edit Master text styles</a:t>
             </a:r>
           </a:p>
           <a:p>
             <a:pPr lvl="1"/>
             <a:r>
-              <a:rPr lang="en-US" smtClean="0"/>
+              <a:rPr lang="en-US"/>
               <a:t>Second level</a:t>
             </a:r>
           </a:p>
           <a:p>
             <a:pPr lvl="2"/>
             <a:r>
-              <a:rPr lang="en-US" smtClean="0"/>
+              <a:rPr lang="en-US"/>
               <a:t>Third level</a:t>
             </a:r>
           </a:p>
           <a:p>
             <a:pPr lvl="3"/>
             <a:r>
-              <a:rPr lang="en-US" smtClean="0"/>
+              <a:rPr lang="en-US"/>
               <a:t>Fourth level</a:t>
             </a:r>
           </a:p>
           <a:p>
             <a:pPr lvl="4"/>
             <a:r>
-              <a:rPr lang="en-US" smtClean="0"/>
+              <a:rPr lang="en-US"/>
               <a:t>Fifth level</a:t>
             </a:r>
             <a:endParaRPr lang="en-US" dirty="0"/>
@@ -3520,35 +3471,35 @@
           <a:p>
             <a:pPr lvl="0"/>
             <a:r>
-              <a:rPr lang="en-US" smtClean="0"/>
+              <a:rPr lang="en-US"/>
               <a:t>Click to edit Master text styles</a:t>
             </a:r>
           </a:p>
           <a:p>
             <a:pPr lvl="1"/>
             <a:r>
-              <a:rPr lang="en-US" smtClean="0"/>
+              <a:rPr lang="en-US"/>
               <a:t>Second level</a:t>
             </a:r>
           </a:p>
           <a:p>
             <a:pPr lvl="2"/>
             <a:r>
-              <a:rPr lang="en-US" smtClean="0"/>
+              <a:rPr lang="en-US"/>
               <a:t>Third level</a:t>
             </a:r>
           </a:p>
           <a:p>
             <a:pPr lvl="3"/>
             <a:r>
-              <a:rPr lang="en-US" smtClean="0"/>
+              <a:rPr lang="en-US"/>
               <a:t>Fourth level</a:t>
             </a:r>
           </a:p>
           <a:p>
             <a:pPr lvl="4"/>
             <a:r>
-              <a:rPr lang="en-US" smtClean="0"/>
+              <a:rPr lang="en-US"/>
               <a:t>Fifth level</a:t>
             </a:r>
             <a:endParaRPr lang="en-US" dirty="0"/>
@@ -3604,10 +3555,9 @@
           <a:lstStyle/>
           <a:p>
             <a:r>
-              <a:rPr lang="en-US" smtClean="0"/>
+              <a:rPr lang="en-US"/>
               <a:t>Click to edit Master title style</a:t>
             </a:r>
-            <a:endParaRPr lang="en-US"/>
           </a:p>
         </p:txBody>
       </p:sp>
@@ -3624,13 +3574,6 @@
   <p:transition>
     <p:fade/>
   </p:transition>
-  <p:timing>
-    <p:tnLst>
-      <p:par>
-        <p:cTn id="1" dur="indefinite" restart="never" nodeType="tmRoot"/>
-      </p:par>
-    </p:tnLst>
-  </p:timing>
 </p:sldLayout>
 </file>
 
@@ -3664,13 +3607,6 @@
   <p:transition>
     <p:fade/>
   </p:transition>
-  <p:timing>
-    <p:tnLst>
-      <p:par>
-        <p:cTn id="1" dur="indefinite" restart="never" nodeType="tmRoot"/>
-      </p:par>
-    </p:tnLst>
-  </p:timing>
 </p:sldLayout>
 </file>
 
@@ -3712,13 +3648,6 @@
   <p:transition>
     <p:fade/>
   </p:transition>
-  <p:timing>
-    <p:tnLst>
-      <p:par>
-        <p:cTn id="1" dur="indefinite" restart="never" nodeType="tmRoot"/>
-      </p:par>
-    </p:tnLst>
-  </p:timing>
 </p:sldLayout>
 </file>
 
@@ -3760,13 +3689,6 @@
   <p:transition>
     <p:fade/>
   </p:transition>
-  <p:timing>
-    <p:tnLst>
-      <p:par>
-        <p:cTn id="1" dur="indefinite" restart="never" nodeType="tmRoot"/>
-      </p:par>
-    </p:tnLst>
-  </p:timing>
 </p:sldLayout>
 </file>
 
@@ -3915,7 +3837,7 @@
                 <a:spcPct val="0"/>
               </a:spcAft>
             </a:pPr>
-            <a:endParaRPr lang="en-US" sz="2400" dirty="0" smtClean="0">
+            <a:endParaRPr lang="en-US" sz="2400" dirty="0">
               <a:gradFill>
                 <a:gsLst>
                   <a:gs pos="0">
@@ -3971,10 +3893,9 @@
           </a:lstStyle>
           <a:p>
             <a:r>
-              <a:rPr lang="en-US" dirty="0" smtClean="0"/>
+              <a:rPr lang="en-US" dirty="0"/>
               <a:t>Presentation title</a:t>
             </a:r>
-            <a:endParaRPr lang="en-US" dirty="0"/>
           </a:p>
         </p:txBody>
       </p:sp>
@@ -4024,7 +3945,7 @@
           <a:p>
             <a:pPr lvl="0"/>
             <a:r>
-              <a:rPr lang="en-US" dirty="0" smtClean="0"/>
+              <a:rPr lang="en-US" dirty="0"/>
               <a:t>Speaker Name</a:t>
             </a:r>
           </a:p>
@@ -4174,10 +4095,9 @@
           <a:p>
             <a:pPr lvl="0"/>
             <a:r>
-              <a:rPr lang="en-US" dirty="0" smtClean="0"/>
+              <a:rPr lang="en-US" dirty="0"/>
               <a:t>Concurrent Session Code</a:t>
             </a:r>
-            <a:endParaRPr lang="en-US" dirty="0"/>
           </a:p>
         </p:txBody>
       </p:sp>
@@ -4194,13 +4114,6 @@
   <p:transition spd="slow">
     <p:push dir="u"/>
   </p:transition>
-  <p:timing>
-    <p:tnLst>
-      <p:par>
-        <p:cTn id="1" dur="indefinite" restart="never" nodeType="tmRoot"/>
-      </p:par>
-    </p:tnLst>
-  </p:timing>
   <p:extLst mod="1">
     <p:ext uri="{DCECCB84-F9BA-43D5-87BE-67443E8EF086}">
       <p15:sldGuideLst xmlns:p15="http://schemas.microsoft.com/office/powerpoint/2012/main">
@@ -4268,13 +4181,6 @@
   <p:transition>
     <p:fade/>
   </p:transition>
-  <p:timing>
-    <p:tnLst>
-      <p:par>
-        <p:cTn id="1" dur="indefinite" restart="never" nodeType="tmRoot"/>
-      </p:par>
-    </p:tnLst>
-  </p:timing>
 </p:sldLayout>
 </file>
 
@@ -4315,10 +4221,9 @@
           </a:lstStyle>
           <a:p>
             <a:r>
-              <a:rPr lang="en-US" dirty="0" smtClean="0"/>
+              <a:rPr lang="en-US" dirty="0"/>
               <a:t>Slide for Developer Code</a:t>
             </a:r>
-            <a:endParaRPr lang="en-US" dirty="0"/>
           </a:p>
         </p:txBody>
       </p:sp>
@@ -4377,7 +4282,7 @@
                 <a:spcPct val="0"/>
               </a:spcAft>
             </a:pPr>
-            <a:endParaRPr lang="en-US" dirty="0" smtClean="0">
+            <a:endParaRPr lang="en-US" dirty="0">
               <a:gradFill>
                 <a:gsLst>
                   <a:gs pos="0">
@@ -4508,35 +4413,35 @@
           <a:p>
             <a:pPr lvl="0"/>
             <a:r>
-              <a:rPr lang="en-US" smtClean="0"/>
+              <a:rPr lang="en-US"/>
               <a:t>Click to edit Master text styles</a:t>
             </a:r>
           </a:p>
           <a:p>
             <a:pPr lvl="1"/>
             <a:r>
-              <a:rPr lang="en-US" smtClean="0"/>
+              <a:rPr lang="en-US"/>
               <a:t>Second level</a:t>
             </a:r>
           </a:p>
           <a:p>
             <a:pPr lvl="2"/>
             <a:r>
-              <a:rPr lang="en-US" smtClean="0"/>
+              <a:rPr lang="en-US"/>
               <a:t>Third level</a:t>
             </a:r>
           </a:p>
           <a:p>
             <a:pPr lvl="3"/>
             <a:r>
-              <a:rPr lang="en-US" smtClean="0"/>
+              <a:rPr lang="en-US"/>
               <a:t>Fourth level</a:t>
             </a:r>
           </a:p>
           <a:p>
             <a:pPr lvl="4"/>
             <a:r>
-              <a:rPr lang="en-US" smtClean="0"/>
+              <a:rPr lang="en-US"/>
               <a:t>Fifth level</a:t>
             </a:r>
             <a:endParaRPr lang="en-US" dirty="0"/>
@@ -4556,13 +4461,6 @@
   <p:transition>
     <p:fade/>
   </p:transition>
-  <p:timing>
-    <p:tnLst>
-      <p:par>
-        <p:cTn id="1" dur="indefinite" restart="never" nodeType="tmRoot"/>
-      </p:par>
-    </p:tnLst>
-  </p:timing>
 </p:sldLayout>
 </file>
 
@@ -4737,38 +4635,37 @@
           <a:p>
             <a:pPr lvl="0"/>
             <a:r>
-              <a:rPr lang="en-US" dirty="0" smtClean="0"/>
+              <a:rPr lang="en-US" dirty="0"/>
               <a:t>Use this Layout for Speaker Notes slides</a:t>
             </a:r>
           </a:p>
           <a:p>
             <a:pPr lvl="1"/>
             <a:r>
-              <a:rPr lang="en-US" dirty="0" smtClean="0"/>
+              <a:rPr lang="en-US" dirty="0"/>
               <a:t>Second level</a:t>
             </a:r>
           </a:p>
           <a:p>
             <a:pPr lvl="2"/>
             <a:r>
-              <a:rPr lang="en-US" dirty="0" smtClean="0"/>
+              <a:rPr lang="en-US" dirty="0"/>
               <a:t>Third level</a:t>
             </a:r>
           </a:p>
           <a:p>
             <a:pPr lvl="3"/>
             <a:r>
-              <a:rPr lang="en-US" dirty="0" smtClean="0"/>
+              <a:rPr lang="en-US" dirty="0"/>
               <a:t>Fourth level</a:t>
             </a:r>
           </a:p>
           <a:p>
             <a:pPr lvl="4"/>
             <a:r>
-              <a:rPr lang="en-US" dirty="0" smtClean="0"/>
+              <a:rPr lang="en-US" dirty="0"/>
               <a:t>Fifth level</a:t>
             </a:r>
-            <a:endParaRPr lang="en-US" dirty="0"/>
           </a:p>
         </p:txBody>
       </p:sp>
@@ -4824,7 +4721,7 @@
           <a:p>
             <a:pPr lvl="0"/>
             <a:r>
-              <a:rPr lang="en-US" dirty="0" smtClean="0"/>
+              <a:rPr lang="en-US" dirty="0"/>
               <a:t>Next:</a:t>
             </a:r>
           </a:p>
@@ -4865,7 +4762,7 @@
           </a:lstStyle>
           <a:p>
             <a:r>
-              <a:rPr lang="en-US" smtClean="0"/>
+              <a:rPr lang="en-US"/>
               <a:t>Click to edit Master title style</a:t>
             </a:r>
             <a:endParaRPr lang="en-US" dirty="0"/>
@@ -4885,13 +4782,6 @@
   <p:transition>
     <p:fade/>
   </p:transition>
-  <p:timing>
-    <p:tnLst>
-      <p:par>
-        <p:cTn id="1" dur="indefinite" restart="never" nodeType="tmRoot"/>
-      </p:par>
-    </p:tnLst>
-  </p:timing>
 </p:sldLayout>
 </file>
 
@@ -5007,7 +4897,7 @@
                 <a:spcPct val="0"/>
               </a:spcAft>
             </a:pPr>
-            <a:endParaRPr lang="en-US" sz="2400" dirty="0" smtClean="0">
+            <a:endParaRPr lang="en-US" sz="2400" dirty="0">
               <a:gradFill>
                 <a:gsLst>
                   <a:gs pos="0">
@@ -5063,10 +4953,9 @@
           </a:lstStyle>
           <a:p>
             <a:r>
-              <a:rPr lang="en-US" dirty="0" smtClean="0"/>
+              <a:rPr lang="en-US" dirty="0"/>
               <a:t>Demo</a:t>
             </a:r>
-            <a:endParaRPr lang="en-US" dirty="0"/>
           </a:p>
         </p:txBody>
       </p:sp>
@@ -5116,7 +5005,7 @@
           <a:p>
             <a:pPr lvl="0"/>
             <a:r>
-              <a:rPr lang="en-US" dirty="0" smtClean="0"/>
+              <a:rPr lang="en-US" dirty="0"/>
               <a:t>Speaker Name</a:t>
             </a:r>
           </a:p>
@@ -5184,13 +5073,6 @@
       </p:transition>
     </mc:Fallback>
   </mc:AlternateContent>
-  <p:timing>
-    <p:tnLst>
-      <p:par>
-        <p:cTn id="1" dur="indefinite" restart="never" nodeType="tmRoot"/>
-      </p:par>
-    </p:tnLst>
-  </p:timing>
   <p:extLst mod="1">
     <p:ext uri="{DCECCB84-F9BA-43D5-87BE-67443E8EF086}">
       <p15:sldGuideLst xmlns:p15="http://schemas.microsoft.com/office/powerpoint/2012/main"/>
@@ -5314,7 +5196,7 @@
                 <a:spcPct val="0"/>
               </a:spcAft>
             </a:pPr>
-            <a:endParaRPr lang="en-US" sz="2400" dirty="0" smtClean="0">
+            <a:endParaRPr lang="en-US" sz="2400" dirty="0">
               <a:gradFill>
                 <a:gsLst>
                   <a:gs pos="0">
@@ -5370,10 +5252,9 @@
           </a:lstStyle>
           <a:p>
             <a:r>
-              <a:rPr lang="en-US" dirty="0" smtClean="0"/>
+              <a:rPr lang="en-US" dirty="0"/>
               <a:t>Video</a:t>
             </a:r>
-            <a:endParaRPr lang="en-US" dirty="0"/>
           </a:p>
         </p:txBody>
       </p:sp>
@@ -5439,13 +5320,6 @@
       </p:transition>
     </mc:Fallback>
   </mc:AlternateContent>
-  <p:timing>
-    <p:tnLst>
-      <p:par>
-        <p:cTn id="1" dur="indefinite" restart="never" nodeType="tmRoot"/>
-      </p:par>
-    </p:tnLst>
-  </p:timing>
   <p:extLst mod="1">
     <p:ext uri="{DCECCB84-F9BA-43D5-87BE-67443E8EF086}">
       <p15:sldGuideLst xmlns:p15="http://schemas.microsoft.com/office/powerpoint/2012/main"/>
@@ -5517,10 +5391,9 @@
           </a:lstStyle>
           <a:p>
             <a:r>
-              <a:rPr lang="en-US" dirty="0" smtClean="0"/>
+              <a:rPr lang="en-US" dirty="0"/>
               <a:t>Section title</a:t>
             </a:r>
-            <a:endParaRPr lang="en-US" dirty="0"/>
           </a:p>
         </p:txBody>
       </p:sp>
@@ -5537,13 +5410,6 @@
   <p:transition>
     <p:fade/>
   </p:transition>
-  <p:timing>
-    <p:tnLst>
-      <p:par>
-        <p:cTn id="1" dur="indefinite" restart="never" nodeType="tmRoot"/>
-      </p:par>
-    </p:tnLst>
-  </p:timing>
 </p:sldLayout>
 </file>
 
@@ -5610,10 +5476,9 @@
           </a:lstStyle>
           <a:p>
             <a:r>
-              <a:rPr lang="en-US" dirty="0" smtClean="0"/>
+              <a:rPr lang="en-US" dirty="0"/>
               <a:t>Section title</a:t>
             </a:r>
-            <a:endParaRPr lang="en-US" dirty="0"/>
           </a:p>
         </p:txBody>
       </p:sp>
@@ -5630,13 +5495,6 @@
   <p:transition>
     <p:fade/>
   </p:transition>
-  <p:timing>
-    <p:tnLst>
-      <p:par>
-        <p:cTn id="1" dur="indefinite" restart="never" nodeType="tmRoot"/>
-      </p:par>
-    </p:tnLst>
-  </p:timing>
 </p:sldLayout>
 </file>
 
@@ -5703,10 +5561,9 @@
           </a:lstStyle>
           <a:p>
             <a:r>
-              <a:rPr lang="en-US" dirty="0" smtClean="0"/>
+              <a:rPr lang="en-US" dirty="0"/>
               <a:t>Section title</a:t>
             </a:r>
-            <a:endParaRPr lang="en-US" dirty="0"/>
           </a:p>
         </p:txBody>
       </p:sp>
@@ -5723,13 +5580,6 @@
   <p:transition>
     <p:fade/>
   </p:transition>
-  <p:timing>
-    <p:tnLst>
-      <p:par>
-        <p:cTn id="1" dur="indefinite" restart="never" nodeType="tmRoot"/>
-      </p:par>
-    </p:tnLst>
-  </p:timing>
 </p:sldLayout>
 </file>
 
@@ -5766,7 +5616,7 @@
           <a:lstStyle/>
           <a:p>
             <a:r>
-              <a:rPr lang="en-US" smtClean="0"/>
+              <a:rPr lang="en-US"/>
               <a:t>Click to edit Master title style</a:t>
             </a:r>
             <a:endParaRPr lang="en-US" dirty="0"/>
@@ -5829,35 +5679,35 @@
           <a:p>
             <a:pPr lvl="0"/>
             <a:r>
-              <a:rPr lang="en-US" smtClean="0"/>
+              <a:rPr lang="en-US"/>
               <a:t>Click to edit Master text styles</a:t>
             </a:r>
           </a:p>
           <a:p>
             <a:pPr lvl="1"/>
             <a:r>
-              <a:rPr lang="en-US" smtClean="0"/>
+              <a:rPr lang="en-US"/>
               <a:t>Second level</a:t>
             </a:r>
           </a:p>
           <a:p>
             <a:pPr lvl="2"/>
             <a:r>
-              <a:rPr lang="en-US" smtClean="0"/>
+              <a:rPr lang="en-US"/>
               <a:t>Third level</a:t>
             </a:r>
           </a:p>
           <a:p>
             <a:pPr lvl="3"/>
             <a:r>
-              <a:rPr lang="en-US" smtClean="0"/>
+              <a:rPr lang="en-US"/>
               <a:t>Fourth level</a:t>
             </a:r>
           </a:p>
           <a:p>
             <a:pPr lvl="4"/>
             <a:r>
-              <a:rPr lang="en-US" smtClean="0"/>
+              <a:rPr lang="en-US"/>
               <a:t>Fifth level</a:t>
             </a:r>
             <a:endParaRPr lang="en-US" dirty="0"/>
@@ -5877,13 +5727,6 @@
   <p:transition>
     <p:fade/>
   </p:transition>
-  <p:timing>
-    <p:tnLst>
-      <p:par>
-        <p:cTn id="1" dur="indefinite" restart="never" nodeType="tmRoot"/>
-      </p:par>
-    </p:tnLst>
-  </p:timing>
 </p:sldLayout>
 </file>
 
@@ -5920,7 +5763,7 @@
           <a:lstStyle/>
           <a:p>
             <a:r>
-              <a:rPr lang="en-US" smtClean="0"/>
+              <a:rPr lang="en-US"/>
               <a:t>Click to edit Master title style</a:t>
             </a:r>
             <a:endParaRPr lang="en-US" dirty="0"/>
@@ -5983,35 +5826,35 @@
           <a:p>
             <a:pPr lvl="0"/>
             <a:r>
-              <a:rPr lang="en-US" smtClean="0"/>
+              <a:rPr lang="en-US"/>
               <a:t>Click to edit Master text styles</a:t>
             </a:r>
           </a:p>
           <a:p>
             <a:pPr lvl="1"/>
             <a:r>
-              <a:rPr lang="en-US" smtClean="0"/>
+              <a:rPr lang="en-US"/>
               <a:t>Second level</a:t>
             </a:r>
           </a:p>
           <a:p>
             <a:pPr lvl="2"/>
             <a:r>
-              <a:rPr lang="en-US" smtClean="0"/>
+              <a:rPr lang="en-US"/>
               <a:t>Third level</a:t>
             </a:r>
           </a:p>
           <a:p>
             <a:pPr lvl="3"/>
             <a:r>
-              <a:rPr lang="en-US" smtClean="0"/>
+              <a:rPr lang="en-US"/>
               <a:t>Fourth level</a:t>
             </a:r>
           </a:p>
           <a:p>
             <a:pPr lvl="4"/>
             <a:r>
-              <a:rPr lang="en-US" smtClean="0"/>
+              <a:rPr lang="en-US"/>
               <a:t>Fifth level</a:t>
             </a:r>
             <a:endParaRPr lang="en-US" dirty="0"/>
@@ -6031,13 +5874,6 @@
   <p:transition>
     <p:fade/>
   </p:transition>
-  <p:timing>
-    <p:tnLst>
-      <p:par>
-        <p:cTn id="1" dur="indefinite" restart="never" nodeType="tmRoot"/>
-      </p:par>
-    </p:tnLst>
-  </p:timing>
 </p:sldLayout>
 </file>
 
@@ -6089,7 +5925,7 @@
           <a:lstStyle/>
           <a:p>
             <a:r>
-              <a:rPr lang="en-US" smtClean="0"/>
+              <a:rPr lang="en-US"/>
               <a:t>Click to edit Master title style</a:t>
             </a:r>
             <a:endParaRPr lang="en-US" dirty="0"/>
@@ -6123,35 +5959,35 @@
           <a:p>
             <a:pPr lvl="0"/>
             <a:r>
-              <a:rPr lang="en-US" smtClean="0"/>
+              <a:rPr lang="en-US"/>
               <a:t>Click to edit Master text styles</a:t>
             </a:r>
           </a:p>
           <a:p>
             <a:pPr lvl="1"/>
             <a:r>
-              <a:rPr lang="en-US" smtClean="0"/>
+              <a:rPr lang="en-US"/>
               <a:t>Second level</a:t>
             </a:r>
           </a:p>
           <a:p>
             <a:pPr lvl="2"/>
             <a:r>
-              <a:rPr lang="en-US" smtClean="0"/>
+              <a:rPr lang="en-US"/>
               <a:t>Third level</a:t>
             </a:r>
           </a:p>
           <a:p>
             <a:pPr lvl="3"/>
             <a:r>
-              <a:rPr lang="en-US" smtClean="0"/>
+              <a:rPr lang="en-US"/>
               <a:t>Fourth level</a:t>
             </a:r>
           </a:p>
           <a:p>
             <a:pPr lvl="4"/>
             <a:r>
-              <a:rPr lang="en-US" smtClean="0"/>
+              <a:rPr lang="en-US"/>
               <a:t>Fifth level</a:t>
             </a:r>
             <a:endParaRPr lang="en-US" dirty="0"/>
@@ -6193,13 +6029,6 @@
   <p:transition>
     <p:fade/>
   </p:transition>
-  <p:timing>
-    <p:tnLst>
-      <p:par>
-        <p:cTn id="1" dur="indefinite" restart="never" nodeType="tmRoot"/>
-      </p:par>
-    </p:tnLst>
-  </p:timing>
   <p:txStyles>
     <p:titleStyle>
       <a:lvl1pPr algn="l" defTabSz="932742" rtl="0" eaLnBrk="1" latinLnBrk="0" hangingPunct="1">
@@ -6722,13 +6551,6 @@
   <p:transition>
     <p:fade/>
   </p:transition>
-  <p:timing>
-    <p:tnLst>
-      <p:par>
-        <p:cTn id="1" dur="indefinite" restart="never" nodeType="tmRoot"/>
-      </p:par>
-    </p:tnLst>
-  </p:timing>
 </p:sld>
 </file>
 
@@ -6765,10 +6587,9 @@
           <a:lstStyle/>
           <a:p>
             <a:r>
-              <a:rPr lang="en-US" dirty="0" smtClean="0"/>
+              <a:rPr lang="en-US" dirty="0"/>
               <a:t>Tips</a:t>
             </a:r>
-            <a:endParaRPr lang="en-US" dirty="0"/>
           </a:p>
         </p:txBody>
       </p:sp>
@@ -6793,58 +6614,58 @@
           <a:lstStyle/>
           <a:p>
             <a:r>
-              <a:rPr lang="en-US" dirty="0" smtClean="0"/>
+              <a:rPr lang="en-US" dirty="0"/>
               <a:t>“Experimental” VS instance</a:t>
             </a:r>
           </a:p>
           <a:p>
             <a:pPr lvl="1"/>
             <a:r>
-              <a:rPr lang="en-US" dirty="0" smtClean="0"/>
+              <a:rPr lang="en-US" dirty="0"/>
               <a:t>Uninstall old packages</a:t>
             </a:r>
           </a:p>
           <a:p>
             <a:pPr lvl="1"/>
             <a:r>
-              <a:rPr lang="en-US" dirty="0" smtClean="0"/>
+              <a:rPr lang="en-US" dirty="0"/>
               <a:t>Reset command</a:t>
             </a:r>
           </a:p>
           <a:p>
             <a:r>
-              <a:rPr lang="en-US" dirty="0" smtClean="0"/>
+              <a:rPr lang="en-US" dirty="0"/>
               <a:t>Change version numbers</a:t>
             </a:r>
           </a:p>
           <a:p>
             <a:r>
-              <a:rPr lang="en-US" dirty="0" smtClean="0"/>
+              <a:rPr lang="en-US" dirty="0"/>
               <a:t>Test on VS 2012 w/o VS 2013+ installed</a:t>
             </a:r>
           </a:p>
           <a:p>
             <a:r>
-              <a:rPr lang="en-US" dirty="0" smtClean="0"/>
+              <a:rPr lang="en-US" dirty="0"/>
               <a:t>BIDS/SSDT doesn’t have all functionality</a:t>
             </a:r>
           </a:p>
           <a:p>
             <a:r>
-              <a:rPr lang="en-US" dirty="0" smtClean="0"/>
+              <a:rPr lang="en-US" dirty="0"/>
               <a:t>VS 2010 requires a different </a:t>
             </a:r>
             <a:r>
-              <a:rPr lang="en-US" dirty="0" err="1" smtClean="0"/>
+              <a:rPr lang="en-US" dirty="0" err="1"/>
               <a:t>source.extension.vsixmanifest</a:t>
             </a:r>
-            <a:endParaRPr lang="en-US" dirty="0" smtClean="0"/>
+            <a:endParaRPr lang="en-US" dirty="0"/>
           </a:p>
           <a:p>
             <a:pPr marL="342900" lvl="1" indent="0">
               <a:buNone/>
             </a:pPr>
-            <a:endParaRPr lang="en-US" dirty="0" smtClean="0"/>
+            <a:endParaRPr lang="en-US" dirty="0"/>
           </a:p>
           <a:p>
             <a:endParaRPr lang="en-US" dirty="0"/>
@@ -6864,13 +6685,6 @@
   <p:transition>
     <p:fade/>
   </p:transition>
-  <p:timing>
-    <p:tnLst>
-      <p:par>
-        <p:cTn id="1" dur="indefinite" restart="never" nodeType="tmRoot"/>
-      </p:par>
-    </p:tnLst>
-  </p:timing>
 </p:sld>
 </file>
 
@@ -6908,15 +6722,7 @@
           <a:p>
             <a:r>
               <a:rPr lang="en-US" dirty="0"/>
-              <a:t>.NET Compiler </a:t>
-            </a:r>
-            <a:r>
-              <a:rPr lang="en-US" dirty="0" smtClean="0"/>
-              <a:t>Platform (“Roslyn”)</a:t>
-            </a:r>
-            <a:r>
-              <a:rPr lang="en-US" dirty="0"/>
-              <a:t/>
+              <a:t>.NET Compiler Platform (“Roslyn”)</a:t>
             </a:r>
             <a:br>
               <a:rPr lang="en-US" dirty="0"/>
@@ -6948,51 +6754,38 @@
             <a:pPr fontAlgn="base"/>
             <a:r>
               <a:rPr lang="en-US" dirty="0"/>
-              <a:t>Install </a:t>
-            </a:r>
-            <a:r>
-              <a:rPr lang="en-US" dirty="0" smtClean="0"/>
-              <a:t>the .NET </a:t>
-            </a:r>
-            <a:r>
-              <a:rPr lang="en-US" dirty="0"/>
-              <a:t>Compiler Platform </a:t>
-            </a:r>
-            <a:r>
-              <a:rPr lang="en-US" dirty="0" smtClean="0"/>
-              <a:t>SDK</a:t>
-            </a:r>
-          </a:p>
-          <a:p>
-            <a:r>
-              <a:rPr lang="en-US" dirty="0" smtClean="0"/>
+              <a:t>Install the .NET Compiler Platform SDK</a:t>
+            </a:r>
+          </a:p>
+          <a:p>
+            <a:r>
+              <a:rPr lang="en-US" dirty="0"/>
               <a:t>Code </a:t>
             </a:r>
             <a:r>
-              <a:rPr lang="en-US" dirty="0" err="1" smtClean="0"/>
+              <a:rPr lang="en-US" dirty="0" err="1"/>
               <a:t>Refactorings</a:t>
             </a:r>
             <a:endParaRPr lang="en-US" dirty="0"/>
           </a:p>
           <a:p>
             <a:r>
-              <a:rPr lang="en-US" dirty="0" smtClean="0"/>
+              <a:rPr lang="en-US" dirty="0"/>
               <a:t>Code Analyzers &amp; Fixes</a:t>
             </a:r>
           </a:p>
           <a:p>
             <a:pPr lvl="1"/>
             <a:r>
-              <a:rPr lang="en-US" dirty="0" smtClean="0"/>
+              <a:rPr lang="en-US" dirty="0"/>
               <a:t>Gated check-ins</a:t>
             </a:r>
           </a:p>
           <a:p>
             <a:r>
-              <a:rPr lang="en-US" dirty="0" smtClean="0"/>
+              <a:rPr lang="en-US" dirty="0"/>
               <a:t>Deploy from VSIX or NuGet</a:t>
             </a:r>
-            <a:endParaRPr lang="en-US" dirty="0"/>
           </a:p>
         </p:txBody>
       </p:sp>
@@ -7009,13 +6802,6 @@
   <p:transition>
     <p:fade/>
   </p:transition>
-  <p:timing>
-    <p:tnLst>
-      <p:par>
-        <p:cTn id="1" dur="indefinite" restart="never" nodeType="tmRoot"/>
-      </p:par>
-    </p:tnLst>
-  </p:timing>
 </p:sld>
 </file>
 
@@ -7052,10 +6838,9 @@
           <a:lstStyle/>
           <a:p>
             <a:r>
-              <a:rPr lang="en-US" dirty="0" smtClean="0"/>
+              <a:rPr lang="en-US" dirty="0"/>
               <a:t>Visual Studio Gallery</a:t>
             </a:r>
-            <a:endParaRPr lang="en-US" dirty="0"/>
           </a:p>
         </p:txBody>
       </p:sp>
@@ -7080,7 +6865,7 @@
           <a:lstStyle/>
           <a:p>
             <a:r>
-              <a:rPr lang="en-US" dirty="0" smtClean="0"/>
+              <a:rPr lang="en-US" dirty="0"/>
               <a:t>Install from VS Tools -&gt; Extensions</a:t>
             </a:r>
           </a:p>
@@ -7090,30 +6875,29 @@
               <a:t>Update </a:t>
             </a:r>
             <a:r>
-              <a:rPr lang="en-US" dirty="0" err="1" smtClean="0"/>
+              <a:rPr lang="en-US" dirty="0" err="1"/>
               <a:t>source.extension.vsixmanifest</a:t>
             </a:r>
             <a:r>
-              <a:rPr lang="en-US" dirty="0" smtClean="0"/>
+              <a:rPr lang="en-US" dirty="0"/>
               <a:t> metadata</a:t>
             </a:r>
-            <a:endParaRPr lang="en-US" dirty="0"/>
-          </a:p>
-          <a:p>
-            <a:r>
-              <a:rPr lang="en-US" dirty="0" smtClean="0"/>
+          </a:p>
+          <a:p>
+            <a:r>
+              <a:rPr lang="en-US" dirty="0"/>
               <a:t>Open link after install/update</a:t>
             </a:r>
           </a:p>
           <a:p>
             <a:r>
-              <a:rPr lang="en-US" dirty="0" smtClean="0"/>
+              <a:rPr lang="en-US" dirty="0"/>
               <a:t>Auto updating</a:t>
             </a:r>
           </a:p>
           <a:p>
             <a:r>
-              <a:rPr lang="en-US" dirty="0" smtClean="0"/>
+              <a:rPr lang="en-US" dirty="0"/>
               <a:t>Some code inspection is done</a:t>
             </a:r>
           </a:p>
@@ -7159,13 +6943,6 @@
   <p:transition>
     <p:fade/>
   </p:transition>
-  <p:timing>
-    <p:tnLst>
-      <p:par>
-        <p:cTn id="1" dur="indefinite" restart="never" nodeType="tmRoot"/>
-      </p:par>
-    </p:tnLst>
-  </p:timing>
 </p:sld>
 </file>
 
@@ -7202,10 +6979,9 @@
           <a:lstStyle/>
           <a:p>
             <a:r>
-              <a:rPr lang="en-US" dirty="0" smtClean="0"/>
+              <a:rPr lang="en-US" dirty="0"/>
               <a:t>Need Help?</a:t>
             </a:r>
-            <a:endParaRPr lang="en-US" dirty="0"/>
           </a:p>
         </p:txBody>
       </p:sp>
@@ -7230,7 +7006,7 @@
           <a:lstStyle/>
           <a:p>
             <a:r>
-              <a:rPr lang="en-US" dirty="0" smtClean="0"/>
+              <a:rPr lang="en-US" dirty="0"/>
               <a:t>Visual Studio Extensibility Forum</a:t>
             </a:r>
           </a:p>
@@ -7240,32 +7016,14 @@
               <a:rPr lang="en-US" dirty="0">
                 <a:hlinkClick r:id="rId2"/>
               </a:rPr>
-              <a:t>https://</a:t>
-            </a:r>
-            <a:r>
-              <a:rPr lang="en-US" dirty="0" smtClean="0">
-                <a:hlinkClick r:id="rId2"/>
-              </a:rPr>
-              <a:t>social.msdn.microsoft.com/Forums/vstudio/en-US/home?forum=vsx</a:t>
-            </a:r>
-            <a:endParaRPr lang="en-US" dirty="0" smtClean="0"/>
-          </a:p>
-          <a:p>
-            <a:r>
-              <a:rPr lang="en-US" dirty="0"/>
-              <a:t>Carlos J. </a:t>
-            </a:r>
-            <a:r>
-              <a:rPr lang="en-US" dirty="0" smtClean="0"/>
-              <a:t>Quintero – VS </a:t>
-            </a:r>
-            <a:r>
-              <a:rPr lang="en-US" dirty="0"/>
-              <a:t>Extensibility </a:t>
-            </a:r>
-            <a:r>
-              <a:rPr lang="en-US" dirty="0" smtClean="0"/>
-              <a:t>MVP</a:t>
+              <a:t>https://social.msdn.microsoft.com/Forums/vstudio/en-US/home?forum=vsx</a:t>
+            </a:r>
+            <a:endParaRPr lang="en-US" dirty="0"/>
+          </a:p>
+          <a:p>
+            <a:r>
+              <a:rPr lang="en-US" dirty="0"/>
+              <a:t>Carlos J. Quintero – VS Extensibility MVP</a:t>
             </a:r>
           </a:p>
           <a:p>
@@ -7274,19 +7032,13 @@
               <a:rPr lang="en-US" dirty="0">
                 <a:hlinkClick r:id="rId3"/>
               </a:rPr>
-              <a:t>http://</a:t>
-            </a:r>
-            <a:r>
-              <a:rPr lang="en-US" dirty="0" smtClean="0">
-                <a:hlinkClick r:id="rId3"/>
-              </a:rPr>
-              <a:t>www.visualstudioextensibility.com</a:t>
+              <a:t>http://www.visualstudioextensibility.com</a:t>
             </a:r>
             <a:endParaRPr lang="en-US" dirty="0"/>
           </a:p>
           <a:p>
             <a:pPr lvl="1"/>
-            <a:endParaRPr lang="en-US" dirty="0" smtClean="0"/>
+            <a:endParaRPr lang="en-US" dirty="0"/>
           </a:p>
           <a:p>
             <a:pPr lvl="1"/>
@@ -7307,13 +7059,6 @@
   <p:transition>
     <p:fade/>
   </p:transition>
-  <p:timing>
-    <p:tnLst>
-      <p:par>
-        <p:cTn id="1" dur="indefinite" restart="never" nodeType="tmRoot"/>
-      </p:par>
-    </p:tnLst>
-  </p:timing>
 </p:sld>
 </file>
 
@@ -7347,12 +7092,49 @@
         <p:spPr>
           <a:xfrm>
             <a:off x="274638" y="1212850"/>
-            <a:ext cx="12041540" cy="4733604"/>
+            <a:ext cx="12041540" cy="4124206"/>
           </a:xfrm>
         </p:spPr>
         <p:txBody>
           <a:bodyPr/>
           <a:lstStyle/>
+          <a:p>
+            <a:pPr marL="0" indent="0">
+              <a:buNone/>
+            </a:pPr>
+            <a:r>
+              <a:rPr lang="en-US" u="sng" dirty="0"/>
+              <a:t>Sample Code &amp; Slides</a:t>
+            </a:r>
+          </a:p>
+          <a:p>
+            <a:pPr marL="0" indent="0">
+              <a:buNone/>
+            </a:pPr>
+            <a:endParaRPr lang="en-US" u="sng" dirty="0"/>
+          </a:p>
+          <a:p>
+            <a:pPr marL="0" indent="0">
+              <a:buNone/>
+            </a:pPr>
+            <a:r>
+              <a:rPr lang="en-US" dirty="0"/>
+              <a:t>github.com/</a:t>
+            </a:r>
+            <a:r>
+              <a:rPr lang="en-US" dirty="0" err="1"/>
+              <a:t>jlattimer</a:t>
+            </a:r>
+            <a:r>
+              <a:rPr lang="en-US" dirty="0"/>
+              <a:t>/</a:t>
+            </a:r>
+            <a:r>
+              <a:rPr lang="en-US" dirty="0" err="1"/>
+              <a:t>ExtendingVisualStudio_Demo</a:t>
+            </a:r>
+            <a:endParaRPr lang="en-US" dirty="0"/>
+          </a:p>
           <a:p>
             <a:pPr marL="0" indent="0">
               <a:buNone/>
@@ -7363,54 +7145,10 @@
             <a:pPr marL="0" indent="0">
               <a:buNone/>
             </a:pPr>
-            <a:endParaRPr lang="en-US" sz="3600" dirty="0" smtClean="0"/>
-          </a:p>
-          <a:p>
-            <a:pPr marL="0" indent="0">
-              <a:buNone/>
-            </a:pPr>
-            <a:r>
-              <a:rPr lang="en-US" u="sng" dirty="0" smtClean="0"/>
-              <a:t>Sample Code &amp; Slides</a:t>
-            </a:r>
-          </a:p>
-          <a:p>
-            <a:pPr marL="0" indent="0">
-              <a:buNone/>
-            </a:pPr>
-            <a:r>
-              <a:rPr lang="en-US" dirty="0"/>
-              <a:t>github.com/</a:t>
-            </a:r>
-            <a:r>
-              <a:rPr lang="en-US" dirty="0" err="1"/>
-              <a:t>jlattimer</a:t>
-            </a:r>
-            <a:r>
-              <a:rPr lang="en-US" dirty="0"/>
-              <a:t>/</a:t>
-            </a:r>
-            <a:r>
-              <a:rPr lang="en-US" dirty="0" err="1"/>
-              <a:t>ExtendingVisualStudio_Demo</a:t>
-            </a:r>
-            <a:endParaRPr lang="en-US" dirty="0" smtClean="0"/>
-          </a:p>
-          <a:p>
-            <a:pPr marL="0" indent="0">
-              <a:buNone/>
-            </a:pPr>
-            <a:endParaRPr lang="en-US" dirty="0"/>
-          </a:p>
-          <a:p>
-            <a:pPr marL="0" indent="0">
-              <a:buNone/>
-            </a:pPr>
-            <a:r>
-              <a:rPr lang="en-US" sz="8000" dirty="0" smtClean="0"/>
+            <a:r>
+              <a:rPr lang="en-US" sz="8000" dirty="0"/>
               <a:t>Thanks!</a:t>
             </a:r>
-            <a:endParaRPr lang="en-US" sz="8000" dirty="0"/>
           </a:p>
         </p:txBody>
       </p:sp>
@@ -7430,10 +7168,9 @@
           <a:lstStyle/>
           <a:p>
             <a:r>
-              <a:rPr lang="en-US" dirty="0" smtClean="0"/>
+              <a:rPr lang="en-US" dirty="0"/>
               <a:t>Questions/Comments</a:t>
             </a:r>
-            <a:endParaRPr lang="en-US" dirty="0"/>
           </a:p>
         </p:txBody>
       </p:sp>
@@ -7450,13 +7187,6 @@
   <p:transition>
     <p:fade/>
   </p:transition>
-  <p:timing>
-    <p:tnLst>
-      <p:par>
-        <p:cTn id="1" dur="indefinite" restart="never" nodeType="tmRoot"/>
-      </p:par>
-    </p:tnLst>
-  </p:timing>
 </p:sld>
 </file>
 
@@ -7526,27 +7256,11 @@
             </a:pPr>
             <a:r>
               <a:rPr lang="en-US" dirty="0"/>
-              <a:t> </a:t>
-            </a:r>
-            <a:r>
-              <a:rPr lang="en-US" dirty="0" smtClean="0"/>
-              <a:t>   </a:t>
-            </a:r>
-            <a:r>
-              <a:rPr lang="en-US" sz="3200" dirty="0" smtClean="0"/>
-              <a:t>Sr</a:t>
+              <a:t>    </a:t>
             </a:r>
             <a:r>
               <a:rPr lang="en-US" sz="3200" dirty="0"/>
-              <a:t>. </a:t>
-            </a:r>
-            <a:r>
-              <a:rPr lang="en-US" sz="3200" dirty="0" smtClean="0"/>
-              <a:t>Technical Architect </a:t>
-            </a:r>
-            <a:r>
-              <a:rPr lang="en-US" sz="3200" dirty="0"/>
-              <a:t>– PowerObjects</a:t>
+              <a:t>Sr. Technical Architect – PowerObjects</a:t>
             </a:r>
           </a:p>
           <a:p>
@@ -7557,29 +7271,8 @@
             </a:pPr>
             <a:r>
               <a:rPr lang="en-US" sz="3200" dirty="0"/>
-              <a:t>      </a:t>
-            </a:r>
-            <a:r>
-              <a:rPr lang="en-US" sz="3200" dirty="0" smtClean="0"/>
-              <a:t>Microsoft </a:t>
-            </a:r>
-            <a:r>
-              <a:rPr lang="en-US" sz="3200" dirty="0"/>
-              <a:t>MVP – </a:t>
-            </a:r>
-            <a:r>
-              <a:rPr lang="en-US" sz="3200" strike="sngStrike" dirty="0"/>
-              <a:t>Dynamics </a:t>
-            </a:r>
-            <a:r>
-              <a:rPr lang="en-US" sz="3200" strike="sngStrike" dirty="0" smtClean="0"/>
-              <a:t>CRM</a:t>
-            </a:r>
-            <a:r>
-              <a:rPr lang="en-US" sz="3200" dirty="0" smtClean="0"/>
-              <a:t> Business Solutions</a:t>
-            </a:r>
-            <a:endParaRPr lang="en-US" sz="3200" dirty="0"/>
+              <a:t>      Microsoft MVP – Business Solutions</a:t>
+            </a:r>
           </a:p>
           <a:p>
             <a:pPr>
@@ -7589,15 +7282,7 @@
             </a:pPr>
             <a:r>
               <a:rPr lang="en-US" sz="3200" dirty="0"/>
-              <a:t>      </a:t>
-            </a:r>
-            <a:r>
-              <a:rPr lang="en-US" sz="3200" dirty="0" smtClean="0"/>
-              <a:t>@</a:t>
-            </a:r>
-            <a:r>
-              <a:rPr lang="en-US" sz="3200" dirty="0"/>
-              <a:t>JLattimer</a:t>
+              <a:t>      @JLattimer</a:t>
             </a:r>
           </a:p>
           <a:p>
@@ -7608,13 +7293,8 @@
             </a:pPr>
             <a:r>
               <a:rPr lang="en-US" sz="3200" dirty="0"/>
-              <a:t>      </a:t>
-            </a:r>
-            <a:r>
-              <a:rPr lang="en-US" sz="3200" dirty="0" smtClean="0"/>
-              <a:t>jlattimer.blogspot.com</a:t>
-            </a:r>
-            <a:endParaRPr lang="en-US" sz="3200" dirty="0"/>
+              <a:t>      jlattimer.blogspot.com</a:t>
+            </a:r>
           </a:p>
           <a:p>
             <a:pPr>
@@ -7624,13 +7304,8 @@
             </a:pPr>
             <a:r>
               <a:rPr lang="en-US" sz="3200" dirty="0"/>
-              <a:t>     </a:t>
-            </a:r>
-            <a:r>
-              <a:rPr lang="en-US" sz="3200" dirty="0" smtClean="0"/>
-              <a:t>github.com/jlattimer</a:t>
-            </a:r>
-            <a:endParaRPr lang="en-US" sz="3200" dirty="0"/>
+              <a:t>     github.com/jlattimer</a:t>
+            </a:r>
           </a:p>
           <a:p>
             <a:pPr>
@@ -7640,13 +7315,8 @@
             </a:pPr>
             <a:r>
               <a:rPr lang="en-US" sz="3200" dirty="0"/>
-              <a:t>     </a:t>
-            </a:r>
-            <a:r>
-              <a:rPr lang="en-US" sz="3200" dirty="0" smtClean="0"/>
-              <a:t>codeplex.com/site/users/view/JLattimer</a:t>
-            </a:r>
-            <a:endParaRPr lang="en-US" sz="3200" dirty="0"/>
+              <a:t>     codeplex.com/site/users/view/JLattimer</a:t>
+            </a:r>
           </a:p>
         </p:txBody>
       </p:sp>
@@ -7822,13 +7492,6 @@
   <p:transition>
     <p:fade/>
   </p:transition>
-  <p:timing>
-    <p:tnLst>
-      <p:par>
-        <p:cTn id="1" dur="indefinite" restart="never" nodeType="tmRoot"/>
-      </p:par>
-    </p:tnLst>
-  </p:timing>
 </p:sld>
 </file>
 
@@ -7870,7 +7533,7 @@
           <a:lstStyle/>
           <a:p>
             <a:r>
-              <a:rPr lang="en-US" dirty="0" smtClean="0"/>
+              <a:rPr lang="en-US" dirty="0"/>
               <a:t>Project &amp; Item Templates</a:t>
             </a:r>
           </a:p>
@@ -7879,35 +7542,34 @@
               <a:rPr lang="en-US" dirty="0"/>
               <a:t>Development Tools Environment</a:t>
             </a:r>
-            <a:endParaRPr lang="en-US" dirty="0" smtClean="0"/>
-          </a:p>
-          <a:p>
-            <a:r>
-              <a:rPr lang="en-US" dirty="0" smtClean="0"/>
+          </a:p>
+          <a:p>
+            <a:r>
+              <a:rPr lang="en-US" dirty="0"/>
               <a:t>Menu Commands</a:t>
             </a:r>
           </a:p>
           <a:p>
             <a:r>
-              <a:rPr lang="en-US" dirty="0" smtClean="0"/>
+              <a:rPr lang="en-US" dirty="0"/>
               <a:t>Tool Windows</a:t>
             </a:r>
           </a:p>
           <a:p>
             <a:r>
-              <a:rPr lang="en-US" dirty="0" smtClean="0"/>
+              <a:rPr lang="en-US" dirty="0"/>
               <a:t>Editor Adornments</a:t>
             </a:r>
           </a:p>
           <a:p>
             <a:r>
-              <a:rPr lang="en-US" dirty="0" smtClean="0"/>
+              <a:rPr lang="en-US" dirty="0"/>
               <a:t>.NET Compiler Platform</a:t>
             </a:r>
           </a:p>
           <a:p>
             <a:r>
-              <a:rPr lang="en-US" dirty="0" smtClean="0"/>
+              <a:rPr lang="en-US" dirty="0"/>
               <a:t>Visual Studio Gallery</a:t>
             </a:r>
           </a:p>
@@ -7935,10 +7597,9 @@
           <a:lstStyle/>
           <a:p>
             <a:r>
-              <a:rPr lang="en-US" dirty="0" smtClean="0"/>
+              <a:rPr lang="en-US" dirty="0"/>
               <a:t>Agenda</a:t>
             </a:r>
-            <a:endParaRPr lang="en-US" dirty="0"/>
           </a:p>
         </p:txBody>
       </p:sp>
@@ -7955,13 +7616,6 @@
   <p:transition>
     <p:fade/>
   </p:transition>
-  <p:timing>
-    <p:tnLst>
-      <p:par>
-        <p:cTn id="1" dur="indefinite" restart="never" nodeType="tmRoot"/>
-      </p:par>
-    </p:tnLst>
-  </p:timing>
 </p:sld>
 </file>
 
@@ -7998,10 +7652,9 @@
           <a:lstStyle/>
           <a:p>
             <a:r>
-              <a:rPr lang="en-US" dirty="0" smtClean="0"/>
+              <a:rPr lang="en-US" dirty="0"/>
               <a:t>Extensibility</a:t>
             </a:r>
-            <a:endParaRPr lang="en-US" dirty="0"/>
           </a:p>
         </p:txBody>
       </p:sp>
@@ -8026,57 +7679,48 @@
           <a:lstStyle/>
           <a:p>
             <a:r>
-              <a:rPr lang="en-US" dirty="0" smtClean="0"/>
-              <a:t>In VS </a:t>
-            </a:r>
-            <a:r>
-              <a:rPr lang="en-US" dirty="0"/>
-              <a:t>2013 add-ins are </a:t>
-            </a:r>
-            <a:r>
-              <a:rPr lang="en-US" dirty="0" smtClean="0"/>
-              <a:t>deprecated</a:t>
-            </a:r>
-          </a:p>
-          <a:p>
-            <a:r>
-              <a:rPr lang="en-US" dirty="0" smtClean="0"/>
+              <a:rPr lang="en-US" dirty="0"/>
+              <a:t>In VS 2013 add-ins are deprecated</a:t>
+            </a:r>
+          </a:p>
+          <a:p>
+            <a:r>
+              <a:rPr lang="en-US" dirty="0"/>
               <a:t>Install the Visual Studio SDK</a:t>
             </a:r>
           </a:p>
           <a:p>
             <a:pPr lvl="1"/>
             <a:r>
-              <a:rPr lang="en-US" dirty="0" smtClean="0"/>
+              <a:rPr lang="en-US" dirty="0"/>
               <a:t>Project templates</a:t>
             </a:r>
           </a:p>
           <a:p>
             <a:r>
-              <a:rPr lang="en-US" dirty="0" smtClean="0"/>
+              <a:rPr lang="en-US" dirty="0"/>
               <a:t>Use </a:t>
             </a:r>
             <a:r>
-              <a:rPr lang="en-US" dirty="0" err="1" smtClean="0"/>
+              <a:rPr lang="en-US" dirty="0" err="1"/>
               <a:t>VSPackages</a:t>
             </a:r>
             <a:r>
-              <a:rPr lang="en-US" dirty="0" smtClean="0"/>
+              <a:rPr lang="en-US" dirty="0"/>
               <a:t> (VSIX)</a:t>
             </a:r>
           </a:p>
           <a:p>
             <a:r>
-              <a:rPr lang="en-US" dirty="0" smtClean="0"/>
+              <a:rPr lang="en-US" dirty="0"/>
               <a:t>Target multiple versions of Visual Studio</a:t>
             </a:r>
           </a:p>
           <a:p>
             <a:r>
-              <a:rPr lang="en-US" dirty="0" smtClean="0"/>
+              <a:rPr lang="en-US" dirty="0"/>
               <a:t>Set dependencies (framework &amp; other packages)</a:t>
             </a:r>
-            <a:endParaRPr lang="en-US" dirty="0"/>
           </a:p>
         </p:txBody>
       </p:sp>
@@ -8093,13 +7737,6 @@
   <p:transition>
     <p:fade/>
   </p:transition>
-  <p:timing>
-    <p:tnLst>
-      <p:par>
-        <p:cTn id="1" dur="indefinite" restart="never" nodeType="tmRoot"/>
-      </p:par>
-    </p:tnLst>
-  </p:timing>
 </p:sld>
 </file>
 
@@ -8163,27 +7800,27 @@
           <a:lstStyle/>
           <a:p>
             <a:r>
-              <a:rPr lang="en-US" dirty="0" smtClean="0"/>
+              <a:rPr lang="en-US" dirty="0"/>
               <a:t>Package using VSIX project</a:t>
             </a:r>
           </a:p>
           <a:p>
             <a:r>
-              <a:rPr lang="en-US" dirty="0" smtClean="0"/>
+              <a:rPr lang="en-US" dirty="0"/>
               <a:t>Add file &amp; assembly references to template project file (.</a:t>
             </a:r>
             <a:r>
-              <a:rPr lang="en-US" dirty="0" err="1" smtClean="0"/>
+              <a:rPr lang="en-US" dirty="0" err="1"/>
               <a:t>csproj</a:t>
             </a:r>
             <a:r>
-              <a:rPr lang="en-US" dirty="0" smtClean="0"/>
+              <a:rPr lang="en-US" dirty="0"/>
               <a:t>)</a:t>
             </a:r>
           </a:p>
           <a:p>
             <a:r>
-              <a:rPr lang="en-US" dirty="0" smtClean="0"/>
+              <a:rPr lang="en-US" dirty="0"/>
               <a:t>NuGet: </a:t>
             </a:r>
           </a:p>
@@ -8191,46 +7828,42 @@
             <a:pPr lvl="1"/>
             <a:r>
               <a:rPr lang="en-US" u="sng" dirty="0"/>
-              <a:t>D</a:t>
-            </a:r>
-            <a:r>
-              <a:rPr lang="en-US" u="sng" dirty="0" smtClean="0"/>
-              <a:t>on’t</a:t>
-            </a:r>
-            <a:r>
-              <a:rPr lang="en-US" dirty="0" smtClean="0"/>
+              <a:t>Don’t</a:t>
+            </a:r>
+            <a:r>
+              <a:rPr lang="en-US" dirty="0"/>
               <a:t> include </a:t>
             </a:r>
             <a:r>
-              <a:rPr lang="en-US" dirty="0" err="1" smtClean="0"/>
+              <a:rPr lang="en-US" dirty="0" err="1"/>
               <a:t>packages.config</a:t>
             </a:r>
-            <a:endParaRPr lang="en-US" dirty="0" smtClean="0"/>
+            <a:endParaRPr lang="en-US" dirty="0"/>
           </a:p>
           <a:p>
             <a:pPr lvl="1"/>
             <a:r>
-              <a:rPr lang="en-US" u="sng" dirty="0" smtClean="0"/>
+              <a:rPr lang="en-US" u="sng" dirty="0"/>
               <a:t>Do</a:t>
             </a:r>
             <a:r>
-              <a:rPr lang="en-US" dirty="0" smtClean="0"/>
+              <a:rPr lang="en-US" dirty="0"/>
               <a:t> user </a:t>
             </a:r>
             <a:r>
-              <a:rPr lang="en-US" dirty="0" err="1" smtClean="0"/>
+              <a:rPr lang="en-US" dirty="0" err="1"/>
               <a:t>WizardExtension</a:t>
             </a:r>
             <a:r>
-              <a:rPr lang="en-US" dirty="0" smtClean="0"/>
+              <a:rPr lang="en-US" dirty="0"/>
               <a:t> and include .</a:t>
             </a:r>
             <a:r>
-              <a:rPr lang="en-US" dirty="0" err="1" smtClean="0"/>
+              <a:rPr lang="en-US" dirty="0" err="1"/>
               <a:t>nupkg</a:t>
             </a:r>
             <a:r>
-              <a:rPr lang="en-US" dirty="0" smtClean="0"/>
+              <a:rPr lang="en-US" dirty="0"/>
               <a:t> files in VSIX</a:t>
             </a:r>
           </a:p>
@@ -8240,23 +7873,17 @@
               <a:rPr lang="en-US" sz="1600" dirty="0">
                 <a:hlinkClick r:id="rId3"/>
               </a:rPr>
-              <a:t>https://</a:t>
-            </a:r>
-            <a:r>
-              <a:rPr lang="en-US" sz="1600" dirty="0" smtClean="0">
-                <a:hlinkClick r:id="rId3"/>
-              </a:rPr>
-              <a:t>docs.nuget.org/create/packages-in-visual-studio-templates</a:t>
-            </a:r>
-            <a:endParaRPr lang="en-US" sz="1600" dirty="0" smtClean="0"/>
-          </a:p>
-          <a:p>
-            <a:r>
-              <a:rPr lang="en-US" dirty="0" smtClean="0"/>
+              <a:t>https://docs.nuget.org/create/packages-in-visual-studio-templates</a:t>
+            </a:r>
+            <a:endParaRPr lang="en-US" sz="1600" dirty="0"/>
+          </a:p>
+          <a:p>
+            <a:r>
+              <a:rPr lang="en-US" dirty="0"/>
               <a:t>Also check out </a:t>
             </a:r>
             <a:r>
-              <a:rPr lang="en-US" dirty="0" smtClean="0">
+              <a:rPr lang="en-US" dirty="0">
                 <a:hlinkClick r:id="rId4"/>
               </a:rPr>
               <a:t>SideWaffle</a:t>
@@ -8319,13 +7946,6 @@
   <p:transition>
     <p:fade/>
   </p:transition>
-  <p:timing>
-    <p:tnLst>
-      <p:par>
-        <p:cTn id="1" dur="indefinite" restart="never" nodeType="tmRoot"/>
-      </p:par>
-    </p:tnLst>
-  </p:timing>
 </p:sld>
 </file>
 
@@ -8363,15 +7983,7 @@
           <a:p>
             <a:r>
               <a:rPr lang="en-US" dirty="0"/>
-              <a:t>Development Tools </a:t>
-            </a:r>
-            <a:r>
-              <a:rPr lang="en-US" dirty="0" smtClean="0"/>
-              <a:t>Environment (DTE)</a:t>
-            </a:r>
-            <a:r>
-              <a:rPr lang="en-US" dirty="0"/>
-              <a:t/>
+              <a:t>Development Tools Environment (DTE)</a:t>
             </a:r>
             <a:br>
               <a:rPr lang="en-US" dirty="0"/>
@@ -8401,25 +8013,25 @@
           <a:lstStyle/>
           <a:p>
             <a:r>
-              <a:rPr lang="en-US" dirty="0" smtClean="0"/>
+              <a:rPr lang="en-US" dirty="0"/>
               <a:t>DTE – core functionality </a:t>
             </a:r>
           </a:p>
           <a:p>
             <a:r>
-              <a:rPr lang="en-US" dirty="0" smtClean="0"/>
+              <a:rPr lang="en-US" dirty="0"/>
               <a:t>DTE2 – newer functionality</a:t>
             </a:r>
           </a:p>
           <a:p>
             <a:r>
-              <a:rPr lang="en-US" dirty="0" smtClean="0"/>
+              <a:rPr lang="en-US" dirty="0"/>
               <a:t>Access solutions, projects, menus, status bar, windows, &amp; everything else in the IDE</a:t>
             </a:r>
           </a:p>
           <a:p>
             <a:r>
-              <a:rPr lang="en-US" dirty="0" smtClean="0"/>
+              <a:rPr lang="en-US" dirty="0"/>
               <a:t>Multiple ways to access DTE object</a:t>
             </a:r>
           </a:p>
@@ -8491,13 +8103,6 @@
   <p:transition>
     <p:fade/>
   </p:transition>
-  <p:timing>
-    <p:tnLst>
-      <p:par>
-        <p:cTn id="1" dur="indefinite" restart="never" nodeType="tmRoot"/>
-      </p:par>
-    </p:tnLst>
-  </p:timing>
 </p:sld>
 </file>
 
@@ -8561,25 +8166,21 @@
           <a:lstStyle/>
           <a:p>
             <a:r>
-              <a:rPr lang="en-US" dirty="0" smtClean="0"/>
+              <a:rPr lang="en-US" dirty="0"/>
               <a:t>Add buttons &amp; menus</a:t>
             </a:r>
           </a:p>
           <a:p>
             <a:r>
-              <a:rPr lang="en-US" dirty="0" smtClean="0"/>
+              <a:rPr lang="en-US" dirty="0"/>
               <a:t>Control visibility</a:t>
             </a:r>
           </a:p>
           <a:p>
             <a:pPr lvl="1"/>
             <a:r>
-              <a:rPr lang="en-US" dirty="0" smtClean="0"/>
-              <a:t>Hide by default: </a:t>
-            </a:r>
-            <a:r>
-              <a:rPr lang="en-US" dirty="0"/>
-              <a:t>&lt;</a:t>
+              <a:rPr lang="en-US" dirty="0"/>
+              <a:t>Hide by default: &lt;</a:t>
             </a:r>
             <a:r>
               <a:rPr lang="en-US" dirty="0" err="1"/>
@@ -8602,19 +8203,15 @@
               <a:t>CommandFlag</a:t>
             </a:r>
             <a:r>
-              <a:rPr lang="en-US" dirty="0" smtClean="0"/>
+              <a:rPr lang="en-US" dirty="0"/>
               <a:t>&gt;</a:t>
             </a:r>
           </a:p>
           <a:p>
             <a:pPr lvl="1"/>
             <a:r>
-              <a:rPr lang="en-US" dirty="0" smtClean="0"/>
-              <a:t>Allow changes to visibility: </a:t>
-            </a:r>
-            <a:r>
-              <a:rPr lang="en-US" dirty="0"/>
-              <a:t>&lt;</a:t>
+              <a:rPr lang="en-US" dirty="0"/>
+              <a:t>Allow changes to visibility: &lt;</a:t>
             </a:r>
             <a:r>
               <a:rPr lang="en-US" dirty="0" err="1"/>
@@ -8640,12 +8237,11 @@
               <a:rPr lang="en-US" dirty="0"/>
               <a:t>&gt;</a:t>
             </a:r>
-            <a:endParaRPr lang="en-US" dirty="0" smtClean="0"/>
           </a:p>
           <a:p>
             <a:pPr lvl="1"/>
             <a:r>
-              <a:rPr lang="en-US" dirty="0" smtClean="0"/>
+              <a:rPr lang="en-US" dirty="0"/>
               <a:t>To ensure visibility rules can be evaluated, load package with Solution:</a:t>
             </a:r>
           </a:p>
@@ -8655,14 +8251,10 @@
             </a:pPr>
             <a:r>
               <a:rPr lang="en-US" dirty="0"/>
-              <a:t>	</a:t>
-            </a:r>
-            <a:r>
-              <a:rPr lang="en-US" dirty="0" smtClean="0"/>
-              <a:t>[</a:t>
-            </a:r>
-            <a:r>
-              <a:rPr lang="en-US" dirty="0" err="1" smtClean="0"/>
+              <a:t>	[</a:t>
+            </a:r>
+            <a:r>
+              <a:rPr lang="en-US" dirty="0" err="1"/>
               <a:t>ProvideAutoLoad</a:t>
             </a:r>
             <a:r>
@@ -8685,13 +8277,6 @@
   <p:transition>
     <p:fade/>
   </p:transition>
-  <p:timing>
-    <p:tnLst>
-      <p:par>
-        <p:cTn id="1" dur="indefinite" restart="never" nodeType="tmRoot"/>
-      </p:par>
-    </p:tnLst>
-  </p:timing>
 </p:sld>
 </file>
 
@@ -8755,22 +8340,21 @@
           <a:lstStyle/>
           <a:p>
             <a:r>
-              <a:rPr lang="en-US" dirty="0" smtClean="0"/>
+              <a:rPr lang="en-US" dirty="0"/>
               <a:t>XAML based</a:t>
             </a:r>
           </a:p>
           <a:p>
             <a:r>
-              <a:rPr lang="en-US" dirty="0" smtClean="0"/>
+              <a:rPr lang="en-US" dirty="0"/>
               <a:t>Can interact with solution items</a:t>
             </a:r>
           </a:p>
           <a:p>
             <a:r>
-              <a:rPr lang="en-US" dirty="0" smtClean="0"/>
+              <a:rPr lang="en-US" dirty="0"/>
               <a:t>Design for different themes</a:t>
             </a:r>
-            <a:endParaRPr lang="en-US" dirty="0"/>
           </a:p>
         </p:txBody>
       </p:sp>
@@ -8787,13 +8371,6 @@
   <p:transition>
     <p:fade/>
   </p:transition>
-  <p:timing>
-    <p:tnLst>
-      <p:par>
-        <p:cTn id="1" dur="indefinite" restart="never" nodeType="tmRoot"/>
-      </p:par>
-    </p:tnLst>
-  </p:timing>
 </p:sld>
 </file>
 
@@ -8857,56 +8434,55 @@
           <a:lstStyle/>
           <a:p>
             <a:r>
-              <a:rPr lang="en-US" dirty="0" smtClean="0"/>
+              <a:rPr lang="en-US" dirty="0"/>
               <a:t>Editor Margin</a:t>
             </a:r>
           </a:p>
           <a:p>
             <a:pPr lvl="1"/>
             <a:r>
-              <a:rPr lang="en-US" dirty="0" smtClean="0"/>
+              <a:rPr lang="en-US" dirty="0"/>
               <a:t>Add content to margins</a:t>
             </a:r>
           </a:p>
           <a:p>
             <a:r>
-              <a:rPr lang="en-US" dirty="0" smtClean="0"/>
+              <a:rPr lang="en-US" dirty="0"/>
               <a:t>Viewport Adornment</a:t>
             </a:r>
           </a:p>
           <a:p>
             <a:pPr lvl="1"/>
             <a:r>
-              <a:rPr lang="en-US" dirty="0" smtClean="0"/>
+              <a:rPr lang="en-US" dirty="0"/>
               <a:t>Add content to IDE surface</a:t>
             </a:r>
           </a:p>
           <a:p>
             <a:r>
-              <a:rPr lang="en-US" dirty="0" smtClean="0"/>
+              <a:rPr lang="en-US" dirty="0"/>
               <a:t>Editor Classifier</a:t>
             </a:r>
           </a:p>
           <a:p>
             <a:pPr lvl="1"/>
             <a:r>
-              <a:rPr lang="en-US" dirty="0" smtClean="0"/>
+              <a:rPr lang="en-US" dirty="0"/>
               <a:t>Add syntax highlighting</a:t>
             </a:r>
           </a:p>
           <a:p>
             <a:r>
-              <a:rPr lang="en-US" dirty="0" smtClean="0"/>
+              <a:rPr lang="en-US" dirty="0"/>
               <a:t>Text Adornment</a:t>
             </a:r>
           </a:p>
           <a:p>
             <a:pPr lvl="1"/>
             <a:r>
-              <a:rPr lang="en-US" dirty="0" smtClean="0"/>
+              <a:rPr lang="en-US" dirty="0"/>
               <a:t>Add content relative to text</a:t>
             </a:r>
-            <a:endParaRPr lang="en-US" dirty="0"/>
           </a:p>
         </p:txBody>
       </p:sp>
@@ -8923,13 +8499,6 @@
   <p:transition>
     <p:fade/>
   </p:transition>
-  <p:timing>
-    <p:tnLst>
-      <p:par>
-        <p:cTn id="1" dur="indefinite" restart="never" nodeType="tmRoot"/>
-      </p:par>
-    </p:tnLst>
-  </p:timing>
 </p:sld>
 </file>
 
@@ -9794,6 +9363,103 @@
 </file>
 
 <file path=customXml/item1.xml><?xml version="1.0" encoding="utf-8"?>
+<p:properties xmlns:p="http://schemas.microsoft.com/office/2006/metadata/properties" xmlns:xsi="http://www.w3.org/2001/XMLSchema-instance" xmlns:pc="http://schemas.microsoft.com/office/infopath/2007/PartnerControls">
+  <documentManagement>
+    <TrackTaxHTField0 xmlns="2295e2e7-0eeb-498e-8716-217bb2ee6ee3">
+      <Terms xmlns="http://schemas.microsoft.com/office/infopath/2007/PartnerControls"/>
+    </TrackTaxHTField0>
+    <CampaignTaxHTField0 xmlns="2295e2e7-0eeb-498e-8716-217bb2ee6ee3">
+      <Terms xmlns="http://schemas.microsoft.com/office/infopath/2007/PartnerControls"/>
+    </CampaignTaxHTField0>
+    <Event_x0020_End_x0020_Date xmlns="2295e2e7-0eeb-498e-8716-217bb2ee6ee3">2014-03-07T08:00:00+00:00</Event_x0020_End_x0020_Date>
+    <Event_x0020_Start_x0020_Date xmlns="2295e2e7-0eeb-498e-8716-217bb2ee6ee3">2014-03-04T08:00:00+00:00</Event_x0020_Start_x0020_Date>
+    <MS_x0020_Speaker xmlns="2295e2e7-0eeb-498e-8716-217bb2ee6ee3">
+      <UserInfo>
+        <DisplayName/>
+        <AccountId xsi:nil="true"/>
+        <AccountType/>
+      </UserInfo>
+    </MS_x0020_Speaker>
+    <External_x0020_Speaker xmlns="2295e2e7-0eeb-498e-8716-217bb2ee6ee3" xsi:nil="true"/>
+    <Session_x0020_Code xmlns="2295e2e7-0eeb-498e-8716-217bb2ee6ee3" xsi:nil="true"/>
+    <ProductTaxHTField0 xmlns="2295e2e7-0eeb-498e-8716-217bb2ee6ee3">
+      <Terms xmlns="http://schemas.microsoft.com/office/infopath/2007/PartnerControls"/>
+    </ProductTaxHTField0>
+    <Presentation_x0020_Date xmlns="2295e2e7-0eeb-498e-8716-217bb2ee6ee3" xsi:nil="true"/>
+    <Event_x0020_LocationTaxHTField0 xmlns="2295e2e7-0eeb-498e-8716-217bb2ee6ee3">
+      <Terms xmlns="http://schemas.microsoft.com/office/infopath/2007/PartnerControls">
+        <TermInfo xmlns="http://schemas.microsoft.com/office/infopath/2007/PartnerControls">
+          <TermName xmlns="http://schemas.microsoft.com/office/infopath/2007/PartnerControls">Atlanta</TermName>
+          <TermId xmlns="http://schemas.microsoft.com/office/infopath/2007/PartnerControls">01fb9831-5840-48a0-a576-3e48f42baa53</TermId>
+        </TermInfo>
+      </Terms>
+    </Event_x0020_LocationTaxHTField0>
+    <Event1TaxHTField0 xmlns="2295e2e7-0eeb-498e-8716-217bb2ee6ee3">
+      <Terms xmlns="http://schemas.microsoft.com/office/infopath/2007/PartnerControls">
+        <TermInfo xmlns="http://schemas.microsoft.com/office/infopath/2007/PartnerControls">
+          <TermName xmlns="http://schemas.microsoft.com/office/infopath/2007/PartnerControls">Convergence</TermName>
+          <TermId xmlns="http://schemas.microsoft.com/office/infopath/2007/PartnerControls">1d09c950-c38f-4478-9281-d35ce331b3fb</TermId>
+        </TermInfo>
+      </Terms>
+    </Event1TaxHTField0>
+    <AudienceTaxHTField0 xmlns="8b529f77-48ab-4581-b468-93f09345b8aa">
+      <Terms xmlns="http://schemas.microsoft.com/office/infopath/2007/PartnerControls">
+        <TermInfo xmlns="http://schemas.microsoft.com/office/infopath/2007/PartnerControls">
+          <TermName xmlns="http://schemas.microsoft.com/office/infopath/2007/PartnerControls">customers</TermName>
+          <TermId xmlns="http://schemas.microsoft.com/office/infopath/2007/PartnerControls">53e3f70c-67b5-450d-95d4-c8ae9a16f63b</TermId>
+        </TermInfo>
+        <TermInfo xmlns="http://schemas.microsoft.com/office/infopath/2007/PartnerControls">
+          <TermName xmlns="http://schemas.microsoft.com/office/infopath/2007/PartnerControls">consumers</TermName>
+          <TermId xmlns="http://schemas.microsoft.com/office/infopath/2007/PartnerControls">9adf4a48-4924-43a3-9278-975755bc3172</TermId>
+        </TermInfo>
+        <TermInfo xmlns="http://schemas.microsoft.com/office/infopath/2007/PartnerControls">
+          <TermName xmlns="http://schemas.microsoft.com/office/infopath/2007/PartnerControls">partners</TermName>
+          <TermId xmlns="http://schemas.microsoft.com/office/infopath/2007/PartnerControls">1d23b997-60ce-4cfd-9201-15f1ad449e79</TermId>
+        </TermInfo>
+        <TermInfo xmlns="http://schemas.microsoft.com/office/infopath/2007/PartnerControls">
+          <TermName xmlns="http://schemas.microsoft.com/office/infopath/2007/PartnerControls">employees</TermName>
+          <TermId xmlns="http://schemas.microsoft.com/office/infopath/2007/PartnerControls">56f02798-ac9e-42de-92e6-b37395b5f857</TermId>
+        </TermInfo>
+      </Terms>
+    </AudienceTaxHTField0>
+    <TaxCatchAll xmlns="230e9df3-be65-4c73-a93b-d1236ebd677e">
+      <Value>626</Value>
+      <Value>273</Value>
+      <Value>740</Value>
+      <Value>352</Value>
+      <Value>267</Value>
+      <Value>745</Value>
+      <Value>330</Value>
+    </TaxCatchAll>
+    <MS_x0020_Content_x0020_Owner xmlns="2295e2e7-0eeb-498e-8716-217bb2ee6ee3">
+      <UserInfo>
+        <DisplayName/>
+        <AccountId xsi:nil="true"/>
+        <AccountType/>
+      </UserInfo>
+    </MS_x0020_Content_x0020_Owner>
+    <Event_x0020_VenueTaxHTField0 xmlns="2295e2e7-0eeb-498e-8716-217bb2ee6ee3">
+      <Terms xmlns="http://schemas.microsoft.com/office/infopath/2007/PartnerControls">
+        <TermInfo xmlns="http://schemas.microsoft.com/office/infopath/2007/PartnerControls">
+          <TermName xmlns="http://schemas.microsoft.com/office/infopath/2007/PartnerControls">Georgia World Congress Center</TermName>
+          <TermId xmlns="http://schemas.microsoft.com/office/infopath/2007/PartnerControls">ea0ece34-59a6-4d43-8d9e-d0f9e2a2f1ce</TermId>
+        </TermInfo>
+      </Terms>
+    </Event_x0020_VenueTaxHTField0>
+  </documentManagement>
+</p:properties>
+</file>
+
+<file path=customXml/item2.xml><?xml version="1.0" encoding="utf-8"?>
+<?mso-contentType ?>
+<FormTemplates xmlns="http://schemas.microsoft.com/sharepoint/v3/contenttype/forms">
+  <Display>DocumentLibraryForm</Display>
+  <Edit>DocumentLibraryForm</Edit>
+  <New>DocumentLibraryForm</New>
+</FormTemplates>
+</file>
+
+<file path=customXml/item3.xml><?xml version="1.0" encoding="utf-8"?>
 <ct:contentTypeSchema xmlns:ct="http://schemas.microsoft.com/office/2006/metadata/contentType" xmlns:ma="http://schemas.microsoft.com/office/2006/metadata/properties/metaAttributes" ct:_="" ma:_="" ma:contentTypeName="PresentationsDoc" ma:contentTypeID="0x010100B88FC3ECA26D1C46B3C4C83281D2EB9C003BBE479AF4108146A616B6B5E7069DBC" ma:contentTypeVersion="61" ma:contentTypeDescription="" ma:contentTypeScope="" ma:versionID="89fe5faf2f25a24617a4f509b32cc989">
   <xsd:schema xmlns:xsd="http://www.w3.org/2001/XMLSchema" xmlns:xs="http://www.w3.org/2001/XMLSchema" xmlns:p="http://schemas.microsoft.com/office/2006/metadata/properties" xmlns:ns2="2295e2e7-0eeb-498e-8716-217bb2ee6ee3" xmlns:ns3="230e9df3-be65-4c73-a93b-d1236ebd677e" xmlns:ns4="8b529f77-48ab-4581-b468-93f09345b8aa" targetNamespace="http://schemas.microsoft.com/office/2006/metadata/properties" ma:root="true" ma:fieldsID="dfcb5511298a0ed35e170e5fd997f4f9" ns2:_="" ns3:_="" ns4:_="">
     <xsd:import namespace="2295e2e7-0eeb-498e-8716-217bb2ee6ee3"/>
@@ -10077,104 +9743,33 @@
 </ct:contentTypeSchema>
 </file>
 
-<file path=customXml/item2.xml><?xml version="1.0" encoding="utf-8"?>
-<?mso-contentType ?>
-<FormTemplates xmlns="http://schemas.microsoft.com/sharepoint/v3/contenttype/forms">
-  <Display>DocumentLibraryForm</Display>
-  <Edit>DocumentLibraryForm</Edit>
-  <New>DocumentLibraryForm</New>
-</FormTemplates>
+<file path=customXml/itemProps1.xml><?xml version="1.0" encoding="utf-8"?>
+<ds:datastoreItem xmlns:ds="http://schemas.openxmlformats.org/officeDocument/2006/customXml" ds:itemID="{F990F116-B58F-4255-B05B-DA3808E0E5C6}">
+  <ds:schemaRefs>
+    <ds:schemaRef ds:uri="230e9df3-be65-4c73-a93b-d1236ebd677e"/>
+    <ds:schemaRef ds:uri="http://schemas.openxmlformats.org/package/2006/metadata/core-properties"/>
+    <ds:schemaRef ds:uri="2295e2e7-0eeb-498e-8716-217bb2ee6ee3"/>
+    <ds:schemaRef ds:uri="http://schemas.microsoft.com/office/2006/metadata/properties"/>
+    <ds:schemaRef ds:uri="http://purl.org/dc/terms/"/>
+    <ds:schemaRef ds:uri="http://schemas.microsoft.com/office/infopath/2007/PartnerControls"/>
+    <ds:schemaRef ds:uri="http://purl.org/dc/elements/1.1/"/>
+    <ds:schemaRef ds:uri="http://schemas.microsoft.com/office/2006/documentManagement/types"/>
+    <ds:schemaRef ds:uri="8b529f77-48ab-4581-b468-93f09345b8aa"/>
+    <ds:schemaRef ds:uri="http://www.w3.org/XML/1998/namespace"/>
+    <ds:schemaRef ds:uri="http://purl.org/dc/dcmitype/"/>
+  </ds:schemaRefs>
+</ds:datastoreItem>
 </file>
 
-<file path=customXml/item3.xml><?xml version="1.0" encoding="utf-8"?>
-<p:properties xmlns:p="http://schemas.microsoft.com/office/2006/metadata/properties" xmlns:xsi="http://www.w3.org/2001/XMLSchema-instance" xmlns:pc="http://schemas.microsoft.com/office/infopath/2007/PartnerControls">
-  <documentManagement>
-    <TrackTaxHTField0 xmlns="2295e2e7-0eeb-498e-8716-217bb2ee6ee3">
-      <Terms xmlns="http://schemas.microsoft.com/office/infopath/2007/PartnerControls"/>
-    </TrackTaxHTField0>
-    <CampaignTaxHTField0 xmlns="2295e2e7-0eeb-498e-8716-217bb2ee6ee3">
-      <Terms xmlns="http://schemas.microsoft.com/office/infopath/2007/PartnerControls"/>
-    </CampaignTaxHTField0>
-    <Event_x0020_End_x0020_Date xmlns="2295e2e7-0eeb-498e-8716-217bb2ee6ee3">2014-03-07T08:00:00+00:00</Event_x0020_End_x0020_Date>
-    <Event_x0020_Start_x0020_Date xmlns="2295e2e7-0eeb-498e-8716-217bb2ee6ee3">2014-03-04T08:00:00+00:00</Event_x0020_Start_x0020_Date>
-    <MS_x0020_Speaker xmlns="2295e2e7-0eeb-498e-8716-217bb2ee6ee3">
-      <UserInfo>
-        <DisplayName/>
-        <AccountId xsi:nil="true"/>
-        <AccountType/>
-      </UserInfo>
-    </MS_x0020_Speaker>
-    <External_x0020_Speaker xmlns="2295e2e7-0eeb-498e-8716-217bb2ee6ee3" xsi:nil="true"/>
-    <Session_x0020_Code xmlns="2295e2e7-0eeb-498e-8716-217bb2ee6ee3" xsi:nil="true"/>
-    <ProductTaxHTField0 xmlns="2295e2e7-0eeb-498e-8716-217bb2ee6ee3">
-      <Terms xmlns="http://schemas.microsoft.com/office/infopath/2007/PartnerControls"/>
-    </ProductTaxHTField0>
-    <Presentation_x0020_Date xmlns="2295e2e7-0eeb-498e-8716-217bb2ee6ee3" xsi:nil="true"/>
-    <Event_x0020_LocationTaxHTField0 xmlns="2295e2e7-0eeb-498e-8716-217bb2ee6ee3">
-      <Terms xmlns="http://schemas.microsoft.com/office/infopath/2007/PartnerControls">
-        <TermInfo xmlns="http://schemas.microsoft.com/office/infopath/2007/PartnerControls">
-          <TermName xmlns="http://schemas.microsoft.com/office/infopath/2007/PartnerControls">Atlanta</TermName>
-          <TermId xmlns="http://schemas.microsoft.com/office/infopath/2007/PartnerControls">01fb9831-5840-48a0-a576-3e48f42baa53</TermId>
-        </TermInfo>
-      </Terms>
-    </Event_x0020_LocationTaxHTField0>
-    <Event1TaxHTField0 xmlns="2295e2e7-0eeb-498e-8716-217bb2ee6ee3">
-      <Terms xmlns="http://schemas.microsoft.com/office/infopath/2007/PartnerControls">
-        <TermInfo xmlns="http://schemas.microsoft.com/office/infopath/2007/PartnerControls">
-          <TermName xmlns="http://schemas.microsoft.com/office/infopath/2007/PartnerControls">Convergence</TermName>
-          <TermId xmlns="http://schemas.microsoft.com/office/infopath/2007/PartnerControls">1d09c950-c38f-4478-9281-d35ce331b3fb</TermId>
-        </TermInfo>
-      </Terms>
-    </Event1TaxHTField0>
-    <AudienceTaxHTField0 xmlns="8b529f77-48ab-4581-b468-93f09345b8aa">
-      <Terms xmlns="http://schemas.microsoft.com/office/infopath/2007/PartnerControls">
-        <TermInfo xmlns="http://schemas.microsoft.com/office/infopath/2007/PartnerControls">
-          <TermName xmlns="http://schemas.microsoft.com/office/infopath/2007/PartnerControls">customers</TermName>
-          <TermId xmlns="http://schemas.microsoft.com/office/infopath/2007/PartnerControls">53e3f70c-67b5-450d-95d4-c8ae9a16f63b</TermId>
-        </TermInfo>
-        <TermInfo xmlns="http://schemas.microsoft.com/office/infopath/2007/PartnerControls">
-          <TermName xmlns="http://schemas.microsoft.com/office/infopath/2007/PartnerControls">consumers</TermName>
-          <TermId xmlns="http://schemas.microsoft.com/office/infopath/2007/PartnerControls">9adf4a48-4924-43a3-9278-975755bc3172</TermId>
-        </TermInfo>
-        <TermInfo xmlns="http://schemas.microsoft.com/office/infopath/2007/PartnerControls">
-          <TermName xmlns="http://schemas.microsoft.com/office/infopath/2007/PartnerControls">partners</TermName>
-          <TermId xmlns="http://schemas.microsoft.com/office/infopath/2007/PartnerControls">1d23b997-60ce-4cfd-9201-15f1ad449e79</TermId>
-        </TermInfo>
-        <TermInfo xmlns="http://schemas.microsoft.com/office/infopath/2007/PartnerControls">
-          <TermName xmlns="http://schemas.microsoft.com/office/infopath/2007/PartnerControls">employees</TermName>
-          <TermId xmlns="http://schemas.microsoft.com/office/infopath/2007/PartnerControls">56f02798-ac9e-42de-92e6-b37395b5f857</TermId>
-        </TermInfo>
-      </Terms>
-    </AudienceTaxHTField0>
-    <TaxCatchAll xmlns="230e9df3-be65-4c73-a93b-d1236ebd677e">
-      <Value>626</Value>
-      <Value>273</Value>
-      <Value>740</Value>
-      <Value>352</Value>
-      <Value>267</Value>
-      <Value>745</Value>
-      <Value>330</Value>
-    </TaxCatchAll>
-    <MS_x0020_Content_x0020_Owner xmlns="2295e2e7-0eeb-498e-8716-217bb2ee6ee3">
-      <UserInfo>
-        <DisplayName/>
-        <AccountId xsi:nil="true"/>
-        <AccountType/>
-      </UserInfo>
-    </MS_x0020_Content_x0020_Owner>
-    <Event_x0020_VenueTaxHTField0 xmlns="2295e2e7-0eeb-498e-8716-217bb2ee6ee3">
-      <Terms xmlns="http://schemas.microsoft.com/office/infopath/2007/PartnerControls">
-        <TermInfo xmlns="http://schemas.microsoft.com/office/infopath/2007/PartnerControls">
-          <TermName xmlns="http://schemas.microsoft.com/office/infopath/2007/PartnerControls">Georgia World Congress Center</TermName>
-          <TermId xmlns="http://schemas.microsoft.com/office/infopath/2007/PartnerControls">ea0ece34-59a6-4d43-8d9e-d0f9e2a2f1ce</TermId>
-        </TermInfo>
-      </Terms>
-    </Event_x0020_VenueTaxHTField0>
-  </documentManagement>
-</p:properties>
+<file path=customXml/itemProps2.xml><?xml version="1.0" encoding="utf-8"?>
+<ds:datastoreItem xmlns:ds="http://schemas.openxmlformats.org/officeDocument/2006/customXml" ds:itemID="{758FDAC0-319D-4A54-8D8E-1D42CB1F8004}">
+  <ds:schemaRefs>
+    <ds:schemaRef ds:uri="http://schemas.microsoft.com/sharepoint/v3/contenttype/forms"/>
+  </ds:schemaRefs>
+</ds:datastoreItem>
 </file>
 
-<file path=customXml/itemProps1.xml><?xml version="1.0" encoding="utf-8"?>
+<file path=customXml/itemProps3.xml><?xml version="1.0" encoding="utf-8"?>
 <ds:datastoreItem xmlns:ds="http://schemas.openxmlformats.org/officeDocument/2006/customXml" ds:itemID="{F20C9CFA-D549-4AB3-8A50-ED22815DF7D3}">
   <ds:schemaRefs>
     <ds:schemaRef ds:uri="http://schemas.microsoft.com/office/2006/metadata/contentType"/>
@@ -10192,30 +9787,4 @@
     <ds:schemaRef ds:uri="http://schemas.microsoft.com/internal/obd"/>
   </ds:schemaRefs>
 </ds:datastoreItem>
-</file>
-
-<file path=customXml/itemProps2.xml><?xml version="1.0" encoding="utf-8"?>
-<ds:datastoreItem xmlns:ds="http://schemas.openxmlformats.org/officeDocument/2006/customXml" ds:itemID="{758FDAC0-319D-4A54-8D8E-1D42CB1F8004}">
-  <ds:schemaRefs>
-    <ds:schemaRef ds:uri="http://schemas.microsoft.com/sharepoint/v3/contenttype/forms"/>
-  </ds:schemaRefs>
-</ds:datastoreItem>
-</file>
-
-<file path=customXml/itemProps3.xml><?xml version="1.0" encoding="utf-8"?>
-<ds:datastoreItem xmlns:ds="http://schemas.openxmlformats.org/officeDocument/2006/customXml" ds:itemID="{F990F116-B58F-4255-B05B-DA3808E0E5C6}">
-  <ds:schemaRefs>
-    <ds:schemaRef ds:uri="230e9df3-be65-4c73-a93b-d1236ebd677e"/>
-    <ds:schemaRef ds:uri="http://schemas.openxmlformats.org/package/2006/metadata/core-properties"/>
-    <ds:schemaRef ds:uri="2295e2e7-0eeb-498e-8716-217bb2ee6ee3"/>
-    <ds:schemaRef ds:uri="http://schemas.microsoft.com/office/2006/metadata/properties"/>
-    <ds:schemaRef ds:uri="http://purl.org/dc/terms/"/>
-    <ds:schemaRef ds:uri="http://schemas.microsoft.com/office/infopath/2007/PartnerControls"/>
-    <ds:schemaRef ds:uri="http://purl.org/dc/elements/1.1/"/>
-    <ds:schemaRef ds:uri="http://schemas.microsoft.com/office/2006/documentManagement/types"/>
-    <ds:schemaRef ds:uri="8b529f77-48ab-4581-b468-93f09345b8aa"/>
-    <ds:schemaRef ds:uri="http://www.w3.org/XML/1998/namespace"/>
-    <ds:schemaRef ds:uri="http://purl.org/dc/dcmitype/"/>
-  </ds:schemaRefs>
-</ds:datastoreItem>
 </file>
--- a/Extending Visual Studio and Making It Work for You.pptx
+++ b/Extending Visual Studio and Making It Work for You.pptx
@@ -261,7 +261,7 @@
               <a:rPr lang="en-US" smtClean="0">
                 <a:latin typeface="Segoe UI" pitchFamily="34" charset="0"/>
               </a:rPr>
-              <a:t>3/11/2016 9:52 PM</a:t>
+              <a:t>3/12/2016 9:52 AM</a:t>
             </a:fld>
             <a:endParaRPr lang="en-US" dirty="0">
               <a:latin typeface="Segoe UI" pitchFamily="34" charset="0"/>
@@ -542,7 +542,7 @@
           <a:p>
             <a:fld id="{2DFDA5C7-BBAE-481E-8BF7-731156A2E2C1}" type="datetime8">
               <a:rPr lang="en-US" smtClean="0"/>
-              <a:t>3/11/2016 9:52 PM</a:t>
+              <a:t>3/12/2016 9:52 AM</a:t>
             </a:fld>
             <a:endParaRPr lang="en-US" dirty="0"/>
           </a:p>
@@ -937,7 +937,7 @@
           <a:p>
             <a:fld id="{2DFDA5C7-BBAE-481E-8BF7-731156A2E2C1}" type="datetime8">
               <a:rPr lang="en-US" smtClean="0"/>
-              <a:t>3/11/2016 9:52 PM</a:t>
+              <a:t>3/12/2016 9:52 AM</a:t>
             </a:fld>
             <a:endParaRPr lang="en-US" dirty="0"/>
           </a:p>
@@ -1130,7 +1130,7 @@
           <a:p>
             <a:fld id="{2DFDA5C7-BBAE-481E-8BF7-731156A2E2C1}" type="datetime8">
               <a:rPr lang="en-US" smtClean="0"/>
-              <a:t>3/11/2016 9:52 PM</a:t>
+              <a:t>3/12/2016 9:52 AM</a:t>
             </a:fld>
             <a:endParaRPr lang="en-US" dirty="0"/>
           </a:p>
@@ -1323,7 +1323,7 @@
           <a:p>
             <a:fld id="{2DFDA5C7-BBAE-481E-8BF7-731156A2E2C1}" type="datetime8">
               <a:rPr lang="en-US" smtClean="0"/>
-              <a:t>3/11/2016 9:52 PM</a:t>
+              <a:t>3/12/2016 9:52 AM</a:t>
             </a:fld>
             <a:endParaRPr lang="en-US" dirty="0"/>
           </a:p>
@@ -1520,7 +1520,7 @@
           <a:p>
             <a:fld id="{2DFDA5C7-BBAE-481E-8BF7-731156A2E2C1}" type="datetime8">
               <a:rPr lang="en-US" smtClean="0"/>
-              <a:t>3/11/2016 9:52 PM</a:t>
+              <a:t>3/12/2016 9:52 AM</a:t>
             </a:fld>
             <a:endParaRPr lang="en-US" dirty="0"/>
           </a:p>
@@ -1708,7 +1708,7 @@
           <a:p>
             <a:fld id="{2DFDA5C7-BBAE-481E-8BF7-731156A2E2C1}" type="datetime8">
               <a:rPr lang="en-US" smtClean="0"/>
-              <a:t>3/11/2016 9:52 PM</a:t>
+              <a:t>3/12/2016 9:52 AM</a:t>
             </a:fld>
             <a:endParaRPr lang="en-US" dirty="0"/>
           </a:p>
@@ -1913,7 +1913,7 @@
           <a:p>
             <a:fld id="{2DFDA5C7-BBAE-481E-8BF7-731156A2E2C1}" type="datetime8">
               <a:rPr lang="en-US" smtClean="0"/>
-              <a:t>3/11/2016 9:52 PM</a:t>
+              <a:t>3/12/2016 9:52 AM</a:t>
             </a:fld>
             <a:endParaRPr lang="en-US" dirty="0"/>
           </a:p>
@@ -6551,6 +6551,13 @@
   <p:transition>
     <p:fade/>
   </p:transition>
+  <p:timing>
+    <p:tnLst>
+      <p:par>
+        <p:cTn id="1" dur="indefinite" restart="never" nodeType="tmRoot"/>
+      </p:par>
+    </p:tnLst>
+  </p:timing>
 </p:sld>
 </file>
 
@@ -6685,6 +6692,13 @@
   <p:transition>
     <p:fade/>
   </p:transition>
+  <p:timing>
+    <p:tnLst>
+      <p:par>
+        <p:cTn id="1" dur="indefinite" restart="never" nodeType="tmRoot"/>
+      </p:par>
+    </p:tnLst>
+  </p:timing>
 </p:sld>
 </file>
 
@@ -6802,6 +6816,13 @@
   <p:transition>
     <p:fade/>
   </p:transition>
+  <p:timing>
+    <p:tnLst>
+      <p:par>
+        <p:cTn id="1" dur="indefinite" restart="never" nodeType="tmRoot"/>
+      </p:par>
+    </p:tnLst>
+  </p:timing>
 </p:sld>
 </file>
 
@@ -6943,6 +6964,13 @@
   <p:transition>
     <p:fade/>
   </p:transition>
+  <p:timing>
+    <p:tnLst>
+      <p:par>
+        <p:cTn id="1" dur="indefinite" restart="never" nodeType="tmRoot"/>
+      </p:par>
+    </p:tnLst>
+  </p:timing>
 </p:sld>
 </file>
 
@@ -6998,7 +7026,7 @@
         <p:spPr>
           <a:xfrm>
             <a:off x="274638" y="1214438"/>
-            <a:ext cx="11887200" cy="3040832"/>
+            <a:ext cx="11887200" cy="4124206"/>
           </a:xfrm>
         </p:spPr>
         <p:txBody>
@@ -7032,7 +7060,39 @@
               <a:rPr lang="en-US" dirty="0">
                 <a:hlinkClick r:id="rId3"/>
               </a:rPr>
-              <a:t>http://www.visualstudioextensibility.com</a:t>
+              <a:t>http://</a:t>
+            </a:r>
+            <a:r>
+              <a:rPr lang="en-US" dirty="0" smtClean="0">
+                <a:hlinkClick r:id="rId3"/>
+              </a:rPr>
+              <a:t>www.visualstudioextensibility.com</a:t>
+            </a:r>
+            <a:endParaRPr lang="en-US" dirty="0" smtClean="0"/>
+          </a:p>
+          <a:p>
+            <a:r>
+              <a:rPr lang="en-US" dirty="0" smtClean="0"/>
+              <a:t>Microsoft Samples</a:t>
+            </a:r>
+          </a:p>
+          <a:p>
+            <a:pPr lvl="1"/>
+            <a:r>
+              <a:rPr lang="en-US">
+                <a:hlinkClick r:id="rId4"/>
+              </a:rPr>
+              <a:t>https://</a:t>
+            </a:r>
+            <a:r>
+              <a:rPr lang="en-US" smtClean="0">
+                <a:hlinkClick r:id="rId4"/>
+              </a:rPr>
+              <a:t>github.com/Microsoft/VSSDK-Extensibility-Samples</a:t>
+            </a:r>
+            <a:r>
+              <a:rPr lang="en-US" smtClean="0"/>
+              <a:t> </a:t>
             </a:r>
             <a:endParaRPr lang="en-US" dirty="0"/>
           </a:p>
@@ -7059,6 +7119,13 @@
   <p:transition>
     <p:fade/>
   </p:transition>
+  <p:timing>
+    <p:tnLst>
+      <p:par>
+        <p:cTn id="1" dur="indefinite" restart="never" nodeType="tmRoot"/>
+      </p:par>
+    </p:tnLst>
+  </p:timing>
 </p:sld>
 </file>
 
@@ -7492,6 +7559,13 @@
   <p:transition>
     <p:fade/>
   </p:transition>
+  <p:timing>
+    <p:tnLst>
+      <p:par>
+        <p:cTn id="1" dur="indefinite" restart="never" nodeType="tmRoot"/>
+      </p:par>
+    </p:tnLst>
+  </p:timing>
 </p:sld>
 </file>
 
@@ -7616,6 +7690,13 @@
   <p:transition>
     <p:fade/>
   </p:transition>
+  <p:timing>
+    <p:tnLst>
+      <p:par>
+        <p:cTn id="1" dur="indefinite" restart="never" nodeType="tmRoot"/>
+      </p:par>
+    </p:tnLst>
+  </p:timing>
 </p:sld>
 </file>
 
@@ -7737,6 +7818,13 @@
   <p:transition>
     <p:fade/>
   </p:transition>
+  <p:timing>
+    <p:tnLst>
+      <p:par>
+        <p:cTn id="1" dur="indefinite" restart="never" nodeType="tmRoot"/>
+      </p:par>
+    </p:tnLst>
+  </p:timing>
 </p:sld>
 </file>
 
@@ -7946,6 +8034,13 @@
   <p:transition>
     <p:fade/>
   </p:transition>
+  <p:timing>
+    <p:tnLst>
+      <p:par>
+        <p:cTn id="1" dur="indefinite" restart="never" nodeType="tmRoot"/>
+      </p:par>
+    </p:tnLst>
+  </p:timing>
 </p:sld>
 </file>
 
@@ -8103,6 +8198,13 @@
   <p:transition>
     <p:fade/>
   </p:transition>
+  <p:timing>
+    <p:tnLst>
+      <p:par>
+        <p:cTn id="1" dur="indefinite" restart="never" nodeType="tmRoot"/>
+      </p:par>
+    </p:tnLst>
+  </p:timing>
 </p:sld>
 </file>
 
@@ -8277,6 +8379,13 @@
   <p:transition>
     <p:fade/>
   </p:transition>
+  <p:timing>
+    <p:tnLst>
+      <p:par>
+        <p:cTn id="1" dur="indefinite" restart="never" nodeType="tmRoot"/>
+      </p:par>
+    </p:tnLst>
+  </p:timing>
 </p:sld>
 </file>
 
@@ -8371,6 +8480,13 @@
   <p:transition>
     <p:fade/>
   </p:transition>
+  <p:timing>
+    <p:tnLst>
+      <p:par>
+        <p:cTn id="1" dur="indefinite" restart="never" nodeType="tmRoot"/>
+      </p:par>
+    </p:tnLst>
+  </p:timing>
 </p:sld>
 </file>
 
@@ -8499,6 +8615,13 @@
   <p:transition>
     <p:fade/>
   </p:transition>
+  <p:timing>
+    <p:tnLst>
+      <p:par>
+        <p:cTn id="1" dur="indefinite" restart="never" nodeType="tmRoot"/>
+      </p:par>
+    </p:tnLst>
+  </p:timing>
 </p:sld>
 </file>
 
